--- a/Week1/Lec1.pptx
+++ b/Week1/Lec1.pptx
@@ -5,7 +5,7 @@
     <p:sldMasterId id="2147483660" r:id="rId1"/>
   </p:sldMasterIdLst>
   <p:notesMasterIdLst>
-    <p:notesMasterId r:id="rId26"/>
+    <p:notesMasterId r:id="rId25"/>
   </p:notesMasterIdLst>
   <p:sldIdLst>
     <p:sldId id="256" r:id="rId2"/>
@@ -22,16 +22,15 @@
     <p:sldId id="267" r:id="rId13"/>
     <p:sldId id="268" r:id="rId14"/>
     <p:sldId id="269" r:id="rId15"/>
-    <p:sldId id="270" r:id="rId16"/>
-    <p:sldId id="271" r:id="rId17"/>
-    <p:sldId id="272" r:id="rId18"/>
-    <p:sldId id="273" r:id="rId19"/>
-    <p:sldId id="275" r:id="rId20"/>
-    <p:sldId id="274" r:id="rId21"/>
-    <p:sldId id="276" r:id="rId22"/>
-    <p:sldId id="277" r:id="rId23"/>
-    <p:sldId id="278" r:id="rId24"/>
-    <p:sldId id="279" r:id="rId25"/>
+    <p:sldId id="271" r:id="rId16"/>
+    <p:sldId id="272" r:id="rId17"/>
+    <p:sldId id="273" r:id="rId18"/>
+    <p:sldId id="275" r:id="rId19"/>
+    <p:sldId id="274" r:id="rId20"/>
+    <p:sldId id="276" r:id="rId21"/>
+    <p:sldId id="277" r:id="rId22"/>
+    <p:sldId id="278" r:id="rId23"/>
+    <p:sldId id="279" r:id="rId24"/>
   </p:sldIdLst>
   <p:sldSz cx="12192000" cy="6858000"/>
   <p:notesSz cx="6858000" cy="9144000"/>
@@ -138,8 +137,93 @@
 </p:presentation>
 </file>
 
-<file path=ppt/revisionInfo.xml><?xml version="1.0" encoding="utf-8"?>
-<p1510:revInfo xmlns:a="http://schemas.openxmlformats.org/drawingml/2006/main" xmlns:r="http://schemas.openxmlformats.org/officeDocument/2006/relationships" xmlns:p1510="http://schemas.microsoft.com/office/powerpoint/2015/10/main"/>
+<file path=ppt/changesInfos/changesInfo1.xml><?xml version="1.0" encoding="utf-8"?>
+<pc:chgInfo xmlns:a="http://schemas.openxmlformats.org/drawingml/2006/main" xmlns:r="http://schemas.openxmlformats.org/officeDocument/2006/relationships" xmlns:ac="http://schemas.microsoft.com/office/drawing/2013/main/command" xmlns:pc="http://schemas.microsoft.com/office/powerpoint/2013/main/command">
+  <pc:docChgLst>
+    <pc:chgData name="nikita bakanchev" userId="7425f483d9e5d2b1" providerId="LiveId" clId="{5E22B78B-CFAC-4862-8237-CD6995500DDF}"/>
+    <pc:docChg chg="undo custSel delSld modSld">
+      <pc:chgData name="nikita bakanchev" userId="7425f483d9e5d2b1" providerId="LiveId" clId="{5E22B78B-CFAC-4862-8237-CD6995500DDF}" dt="2017-09-08T19:28:15.393" v="483" actId="20577"/>
+      <pc:docMkLst>
+        <pc:docMk/>
+      </pc:docMkLst>
+      <pc:sldChg chg="modSp">
+        <pc:chgData name="nikita bakanchev" userId="7425f483d9e5d2b1" providerId="LiveId" clId="{5E22B78B-CFAC-4862-8237-CD6995500DDF}" dt="2017-09-08T19:24:41.127" v="0" actId="20577"/>
+        <pc:sldMkLst>
+          <pc:docMk/>
+          <pc:sldMk cId="136932700" sldId="265"/>
+        </pc:sldMkLst>
+        <pc:spChg chg="mod">
+          <ac:chgData name="nikita bakanchev" userId="7425f483d9e5d2b1" providerId="LiveId" clId="{5E22B78B-CFAC-4862-8237-CD6995500DDF}" dt="2017-09-08T19:24:41.127" v="0" actId="20577"/>
+          <ac:spMkLst>
+            <pc:docMk/>
+            <pc:sldMk cId="136932700" sldId="265"/>
+            <ac:spMk id="3" creationId="{7C8AE135-9EF2-419B-AE3F-12EE1C836C39}"/>
+          </ac:spMkLst>
+        </pc:spChg>
+      </pc:sldChg>
+      <pc:sldChg chg="addSp delSp modSp">
+        <pc:chgData name="nikita bakanchev" userId="7425f483d9e5d2b1" providerId="LiveId" clId="{5E22B78B-CFAC-4862-8237-CD6995500DDF}" dt="2017-09-08T19:25:27.373" v="62"/>
+        <pc:sldMkLst>
+          <pc:docMk/>
+          <pc:sldMk cId="1404883454" sldId="266"/>
+        </pc:sldMkLst>
+        <pc:spChg chg="mod">
+          <ac:chgData name="nikita bakanchev" userId="7425f483d9e5d2b1" providerId="LiveId" clId="{5E22B78B-CFAC-4862-8237-CD6995500DDF}" dt="2017-09-08T19:25:27.373" v="62"/>
+          <ac:spMkLst>
+            <pc:docMk/>
+            <pc:sldMk cId="1404883454" sldId="266"/>
+            <ac:spMk id="3" creationId="{8AEB63AD-8969-4902-B0DD-7C44D0C8AF00}"/>
+          </ac:spMkLst>
+        </pc:spChg>
+        <pc:graphicFrameChg chg="add del mod">
+          <ac:chgData name="nikita bakanchev" userId="7425f483d9e5d2b1" providerId="LiveId" clId="{5E22B78B-CFAC-4862-8237-CD6995500DDF}" dt="2017-09-08T19:25:21.221" v="60"/>
+          <ac:graphicFrameMkLst>
+            <pc:docMk/>
+            <pc:sldMk cId="1404883454" sldId="266"/>
+            <ac:graphicFrameMk id="4" creationId="{92446C24-0AFF-4AB1-B02E-7E75170333CD}"/>
+          </ac:graphicFrameMkLst>
+        </pc:graphicFrameChg>
+      </pc:sldChg>
+      <pc:sldChg chg="modSp">
+        <pc:chgData name="nikita bakanchev" userId="7425f483d9e5d2b1" providerId="LiveId" clId="{5E22B78B-CFAC-4862-8237-CD6995500DDF}" dt="2017-09-08T19:26:46.540" v="284" actId="20577"/>
+        <pc:sldMkLst>
+          <pc:docMk/>
+          <pc:sldMk cId="891003037" sldId="269"/>
+        </pc:sldMkLst>
+        <pc:spChg chg="mod">
+          <ac:chgData name="nikita bakanchev" userId="7425f483d9e5d2b1" providerId="LiveId" clId="{5E22B78B-CFAC-4862-8237-CD6995500DDF}" dt="2017-09-08T19:26:46.540" v="284" actId="20577"/>
+          <ac:spMkLst>
+            <pc:docMk/>
+            <pc:sldMk cId="891003037" sldId="269"/>
+            <ac:spMk id="3" creationId="{43503699-5244-4579-9B15-69DB97F832E1}"/>
+          </ac:spMkLst>
+        </pc:spChg>
+      </pc:sldChg>
+      <pc:sldChg chg="del">
+        <pc:chgData name="nikita bakanchev" userId="7425f483d9e5d2b1" providerId="LiveId" clId="{5E22B78B-CFAC-4862-8237-CD6995500DDF}" dt="2017-09-08T19:25:47.192" v="63" actId="2696"/>
+        <pc:sldMkLst>
+          <pc:docMk/>
+          <pc:sldMk cId="15089156" sldId="270"/>
+        </pc:sldMkLst>
+      </pc:sldChg>
+      <pc:sldChg chg="modSp">
+        <pc:chgData name="nikita bakanchev" userId="7425f483d9e5d2b1" providerId="LiveId" clId="{5E22B78B-CFAC-4862-8237-CD6995500DDF}" dt="2017-09-08T19:28:15.393" v="483" actId="20577"/>
+        <pc:sldMkLst>
+          <pc:docMk/>
+          <pc:sldMk cId="2967328911" sldId="273"/>
+        </pc:sldMkLst>
+        <pc:spChg chg="mod">
+          <ac:chgData name="nikita bakanchev" userId="7425f483d9e5d2b1" providerId="LiveId" clId="{5E22B78B-CFAC-4862-8237-CD6995500DDF}" dt="2017-09-08T19:28:15.393" v="483" actId="20577"/>
+          <ac:spMkLst>
+            <pc:docMk/>
+            <pc:sldMk cId="2967328911" sldId="273"/>
+            <ac:spMk id="3" creationId="{35FA33D5-F365-458E-AEF1-41D1EED15EE6}"/>
+          </ac:spMkLst>
+        </pc:spChg>
+      </pc:sldChg>
+    </pc:docChg>
+  </pc:docChgLst>
+</pc:chgInfo>
 </file>
 
 <file path=ppt/notesMasters/notesMaster1.xml><?xml version="1.0" encoding="utf-8"?>
@@ -3895,12 +3979,6 @@
               <a:t>: vk.com/bakanchev</a:t>
             </a:r>
           </a:p>
-          <a:p>
-            <a:r>
-              <a:rPr lang="en-US" dirty="0"/>
-              <a:t>Tel: +791503905**</a:t>
-            </a:r>
-          </a:p>
         </p:txBody>
       </p:sp>
     </p:spTree>
@@ -3986,37 +4064,28 @@
             <a:pPr marL="0" indent="0">
               <a:buNone/>
             </a:pPr>
-            <a:endParaRPr lang="ru-RU" dirty="0">
-              <a:hlinkClick r:id="rId2"/>
-            </a:endParaRPr>
+            <a:endParaRPr lang="ru-RU" dirty="0"/>
           </a:p>
           <a:p>
             <a:pPr marL="0" indent="0">
               <a:buNone/>
             </a:pPr>
-            <a:endParaRPr lang="ru-RU" dirty="0">
-              <a:hlinkClick r:id="rId2"/>
-            </a:endParaRPr>
+            <a:endParaRPr lang="ru-RU" dirty="0"/>
           </a:p>
           <a:p>
             <a:pPr marL="0" indent="0">
               <a:buNone/>
             </a:pPr>
-            <a:endParaRPr lang="ru-RU" dirty="0">
-              <a:hlinkClick r:id="rId2"/>
-            </a:endParaRPr>
+            <a:endParaRPr lang="ru-RU" dirty="0"/>
           </a:p>
           <a:p>
             <a:pPr marL="0" indent="0">
               <a:buNone/>
             </a:pPr>
             <a:r>
-              <a:rPr lang="en-US" dirty="0">
-                <a:hlinkClick r:id="rId2"/>
-              </a:rPr>
-              <a:t>https://bakanchevn.github.io/DataBases_MIREA_2017-2018/</a:t>
-            </a:r>
-            <a:endParaRPr lang="en-US" dirty="0"/>
+              <a:rPr lang="en-US" dirty="0"/>
+              <a:t>https://github.com/bakanchevn/DataBases_MIREA_2017-2018</a:t>
+            </a:r>
           </a:p>
         </p:txBody>
       </p:sp>
@@ -4347,7 +4416,30 @@
             </a:pPr>
             <a:r>
               <a:rPr lang="ru-RU" dirty="0"/>
-              <a:t>Зачет = сданные лабораторные + контрольная работа.</a:t>
+              <a:t>Допуск к зачету – сданные лабораторные.</a:t>
+            </a:r>
+          </a:p>
+          <a:p>
+            <a:pPr marL="0" indent="0">
+              <a:buNone/>
+            </a:pPr>
+            <a:endParaRPr lang="ru-RU" dirty="0"/>
+          </a:p>
+          <a:p>
+            <a:pPr marL="0" indent="0">
+              <a:buNone/>
+            </a:pPr>
+            <a:r>
+              <a:rPr lang="ru-RU" dirty="0"/>
+              <a:t>Зачет автоматом – лабораторные + к</a:t>
+            </a:r>
+            <a:r>
+              <a:rPr lang="en-US" dirty="0"/>
+              <a:t>/</a:t>
+            </a:r>
+            <a:r>
+              <a:rPr lang="ru-RU" dirty="0"/>
+              <a:t>р на 4 + доп. задание</a:t>
             </a:r>
             <a:endParaRPr lang="en-US" dirty="0"/>
           </a:p>
@@ -4388,7 +4480,7 @@
           <p:cNvPr id="2" name="Title 1">
             <a:extLst>
               <a:ext uri="{FF2B5EF4-FFF2-40B4-BE49-F238E27FC236}">
-                <a16:creationId xmlns:a16="http://schemas.microsoft.com/office/drawing/2014/main" id="{BC0D71B1-6F57-4FC1-813B-2C71836EF7B5}"/>
+                <a16:creationId xmlns:a16="http://schemas.microsoft.com/office/drawing/2014/main" id="{E452CFCA-3086-4E2F-B965-3FD20D797B28}"/>
               </a:ext>
             </a:extLst>
           </p:cNvPr>
@@ -4406,7 +4498,7 @@
           <a:p>
             <a:r>
               <a:rPr lang="ru-RU" dirty="0"/>
-              <a:t>Дедлайн</a:t>
+              <a:t>Как просить о помощи</a:t>
             </a:r>
             <a:endParaRPr lang="en-US" dirty="0"/>
           </a:p>
@@ -4417,7 +4509,7 @@
           <p:cNvPr id="3" name="Content Placeholder 2">
             <a:extLst>
               <a:ext uri="{FF2B5EF4-FFF2-40B4-BE49-F238E27FC236}">
-                <a16:creationId xmlns:a16="http://schemas.microsoft.com/office/drawing/2014/main" id="{868EFCA6-18D2-41D8-B767-362117FD7F57}"/>
+                <a16:creationId xmlns:a16="http://schemas.microsoft.com/office/drawing/2014/main" id="{DDE5DCC7-42F5-48E3-9226-C8B2FE4B9023}"/>
               </a:ext>
             </a:extLst>
           </p:cNvPr>
@@ -4433,49 +4525,83 @@
           <a:bodyPr/>
           <a:lstStyle/>
           <a:p>
-            <a:r>
-              <a:rPr lang="ru-RU" dirty="0"/>
-              <a:t>У вас есть 3 дня в совокупности для использования после окончания приема </a:t>
-            </a:r>
-            <a:r>
-              <a:rPr lang="ru-RU" dirty="0" err="1"/>
-              <a:t>дз</a:t>
+            <a:pPr marL="514350" indent="-514350">
+              <a:buFont typeface="+mj-lt"/>
+              <a:buAutoNum type="arabicPeriod"/>
+            </a:pPr>
+            <a:r>
+              <a:rPr lang="ru-RU" dirty="0"/>
+              <a:t>Осуществить поиск проблемы в интернете</a:t>
+            </a:r>
+          </a:p>
+          <a:p>
+            <a:pPr marL="514350" indent="-514350">
+              <a:buFont typeface="+mj-lt"/>
+              <a:buAutoNum type="arabicPeriod"/>
+            </a:pPr>
+            <a:r>
+              <a:rPr lang="ru-RU" dirty="0"/>
+              <a:t>Спросить одногруппников</a:t>
+            </a:r>
+            <a:endParaRPr lang="en-US" dirty="0"/>
+          </a:p>
+          <a:p>
+            <a:pPr marL="514350" indent="-514350">
+              <a:buFont typeface="+mj-lt"/>
+              <a:buAutoNum type="arabicPeriod"/>
+            </a:pPr>
+            <a:r>
+              <a:rPr lang="ru-RU" dirty="0"/>
+              <a:t>Если не было, то написать мне</a:t>
+            </a:r>
+            <a:r>
+              <a:rPr lang="en-US" dirty="0"/>
+              <a:t>:</a:t>
+            </a:r>
+          </a:p>
+          <a:p>
+            <a:pPr lvl="1"/>
+            <a:r>
+              <a:rPr lang="ru-RU" dirty="0"/>
+              <a:t>Что вы пытались сделать?</a:t>
+            </a:r>
+          </a:p>
+          <a:p>
+            <a:pPr lvl="1"/>
+            <a:r>
+              <a:rPr lang="ru-RU" dirty="0"/>
+              <a:t>Какие шаги были сделаны успешно</a:t>
+            </a:r>
+            <a:r>
+              <a:rPr lang="en-US" dirty="0"/>
+              <a:t>?</a:t>
+            </a:r>
+          </a:p>
+          <a:p>
+            <a:pPr lvl="1"/>
+            <a:r>
+              <a:rPr lang="ru-RU" dirty="0"/>
+              <a:t>Что не работает по вашему мнению?</a:t>
+            </a:r>
+          </a:p>
+          <a:p>
+            <a:pPr lvl="1"/>
+            <a:r>
+              <a:rPr lang="ru-RU" dirty="0"/>
+              <a:t>Какая ошибка появляется</a:t>
+            </a:r>
+            <a:r>
+              <a:rPr lang="en-US" dirty="0"/>
+              <a:t>?</a:t>
             </a:r>
             <a:endParaRPr lang="ru-RU" dirty="0"/>
-          </a:p>
-          <a:p>
-            <a:r>
-              <a:rPr lang="ru-RU" dirty="0"/>
-              <a:t>Один день = 24 часа.</a:t>
-            </a:r>
-          </a:p>
-          <a:p>
-            <a:r>
-              <a:rPr lang="ru-RU" dirty="0"/>
-              <a:t>Даже 1 минута после дедлайна означает использование одного дня </a:t>
-            </a:r>
-          </a:p>
-          <a:p>
-            <a:r>
-              <a:rPr lang="ru-RU" dirty="0"/>
-              <a:t>Как только использованы все дни, каждый день опоздания равен 25</a:t>
-            </a:r>
-            <a:r>
-              <a:rPr lang="en-US" dirty="0"/>
-              <a:t>% </a:t>
-            </a:r>
-            <a:r>
-              <a:rPr lang="ru-RU" dirty="0"/>
-              <a:t>за задание</a:t>
-            </a:r>
-            <a:endParaRPr lang="en-US" dirty="0"/>
           </a:p>
         </p:txBody>
       </p:sp>
     </p:spTree>
     <p:extLst>
       <p:ext uri="{BB962C8B-B14F-4D97-AF65-F5344CB8AC3E}">
-        <p14:creationId xmlns:p14="http://schemas.microsoft.com/office/powerpoint/2010/main" val="15089156"/>
+        <p14:creationId xmlns:p14="http://schemas.microsoft.com/office/powerpoint/2010/main" val="1706591778"/>
       </p:ext>
     </p:extLst>
   </p:cSld>
@@ -4504,18 +4630,18 @@
       </p:grpSpPr>
       <p:sp>
         <p:nvSpPr>
-          <p:cNvPr id="2" name="Title 1">
-            <a:extLst>
-              <a:ext uri="{FF2B5EF4-FFF2-40B4-BE49-F238E27FC236}">
-                <a16:creationId xmlns:a16="http://schemas.microsoft.com/office/drawing/2014/main" id="{E452CFCA-3086-4E2F-B965-3FD20D797B28}"/>
-              </a:ext>
-            </a:extLst>
-          </p:cNvPr>
-          <p:cNvSpPr>
-            <a:spLocks noGrp="1"/>
-          </p:cNvSpPr>
-          <p:nvPr>
-            <p:ph type="title"/>
+          <p:cNvPr id="4" name="Title 3">
+            <a:extLst>
+              <a:ext uri="{FF2B5EF4-FFF2-40B4-BE49-F238E27FC236}">
+                <a16:creationId xmlns:a16="http://schemas.microsoft.com/office/drawing/2014/main" id="{0BD9418D-5E05-4F67-B12B-9AF584FD712D}"/>
+              </a:ext>
+            </a:extLst>
+          </p:cNvPr>
+          <p:cNvSpPr>
+            <a:spLocks noGrp="1"/>
+          </p:cNvSpPr>
+          <p:nvPr>
+            <p:ph type="ctrTitle"/>
           </p:nvPr>
         </p:nvSpPr>
         <p:spPr/>
@@ -4525,110 +4651,16 @@
           <a:p>
             <a:r>
               <a:rPr lang="ru-RU" dirty="0"/>
-              <a:t>Как просить о помощи</a:t>
+              <a:t>Обзор курса</a:t>
             </a:r>
             <a:endParaRPr lang="en-US" dirty="0"/>
-          </a:p>
-        </p:txBody>
-      </p:sp>
-      <p:sp>
-        <p:nvSpPr>
-          <p:cNvPr id="3" name="Content Placeholder 2">
-            <a:extLst>
-              <a:ext uri="{FF2B5EF4-FFF2-40B4-BE49-F238E27FC236}">
-                <a16:creationId xmlns:a16="http://schemas.microsoft.com/office/drawing/2014/main" id="{DDE5DCC7-42F5-48E3-9226-C8B2FE4B9023}"/>
-              </a:ext>
-            </a:extLst>
-          </p:cNvPr>
-          <p:cNvSpPr>
-            <a:spLocks noGrp="1"/>
-          </p:cNvSpPr>
-          <p:nvPr>
-            <p:ph idx="1"/>
-          </p:nvPr>
-        </p:nvSpPr>
-        <p:spPr/>
-        <p:txBody>
-          <a:bodyPr/>
-          <a:lstStyle/>
-          <a:p>
-            <a:pPr marL="514350" indent="-514350">
-              <a:buFont typeface="+mj-lt"/>
-              <a:buAutoNum type="arabicPeriod"/>
-            </a:pPr>
-            <a:r>
-              <a:rPr lang="ru-RU" dirty="0"/>
-              <a:t>Осуществить поиск проблемы в интернете</a:t>
-            </a:r>
-          </a:p>
-          <a:p>
-            <a:pPr marL="514350" indent="-514350">
-              <a:buFont typeface="+mj-lt"/>
-              <a:buAutoNum type="arabicPeriod"/>
-            </a:pPr>
-            <a:r>
-              <a:rPr lang="ru-RU" dirty="0"/>
-              <a:t>Спросить одногруппников</a:t>
-            </a:r>
-            <a:endParaRPr lang="en-US" dirty="0"/>
-          </a:p>
-          <a:p>
-            <a:pPr marL="514350" indent="-514350">
-              <a:buFont typeface="+mj-lt"/>
-              <a:buAutoNum type="arabicPeriod"/>
-            </a:pPr>
-            <a:r>
-              <a:rPr lang="ru-RU" dirty="0"/>
-              <a:t>Если не было, то написать мне</a:t>
-            </a:r>
-            <a:r>
-              <a:rPr lang="en-US" dirty="0"/>
-              <a:t>:</a:t>
-            </a:r>
-          </a:p>
-          <a:p>
-            <a:pPr lvl="1"/>
-            <a:r>
-              <a:rPr lang="ru-RU" dirty="0"/>
-              <a:t>Что вы пытались сделать?</a:t>
-            </a:r>
-          </a:p>
-          <a:p>
-            <a:pPr lvl="1"/>
-            <a:r>
-              <a:rPr lang="ru-RU" dirty="0"/>
-              <a:t>Какие шаги были сделаны успешно</a:t>
-            </a:r>
-            <a:r>
-              <a:rPr lang="en-US" dirty="0"/>
-              <a:t>?</a:t>
-            </a:r>
-          </a:p>
-          <a:p>
-            <a:pPr lvl="1"/>
-            <a:r>
-              <a:rPr lang="ru-RU" dirty="0"/>
-              <a:t>Что не работает по вашему мнению?</a:t>
-            </a:r>
-          </a:p>
-          <a:p>
-            <a:pPr lvl="1"/>
-            <a:r>
-              <a:rPr lang="ru-RU" dirty="0"/>
-              <a:t>Какая ошибка появляется</a:t>
-            </a:r>
-            <a:r>
-              <a:rPr lang="en-US" dirty="0"/>
-              <a:t>?</a:t>
-            </a:r>
-            <a:endParaRPr lang="ru-RU" dirty="0"/>
           </a:p>
         </p:txBody>
       </p:sp>
     </p:spTree>
     <p:extLst>
       <p:ext uri="{BB962C8B-B14F-4D97-AF65-F5344CB8AC3E}">
-        <p14:creationId xmlns:p14="http://schemas.microsoft.com/office/powerpoint/2010/main" val="1706591778"/>
+        <p14:creationId xmlns:p14="http://schemas.microsoft.com/office/powerpoint/2010/main" val="3779655839"/>
       </p:ext>
     </p:extLst>
   </p:cSld>
@@ -4657,18 +4689,18 @@
       </p:grpSpPr>
       <p:sp>
         <p:nvSpPr>
-          <p:cNvPr id="4" name="Title 3">
-            <a:extLst>
-              <a:ext uri="{FF2B5EF4-FFF2-40B4-BE49-F238E27FC236}">
-                <a16:creationId xmlns:a16="http://schemas.microsoft.com/office/drawing/2014/main" id="{0BD9418D-5E05-4F67-B12B-9AF584FD712D}"/>
-              </a:ext>
-            </a:extLst>
-          </p:cNvPr>
-          <p:cNvSpPr>
-            <a:spLocks noGrp="1"/>
-          </p:cNvSpPr>
-          <p:nvPr>
-            <p:ph type="ctrTitle"/>
+          <p:cNvPr id="2" name="Title 1">
+            <a:extLst>
+              <a:ext uri="{FF2B5EF4-FFF2-40B4-BE49-F238E27FC236}">
+                <a16:creationId xmlns:a16="http://schemas.microsoft.com/office/drawing/2014/main" id="{64D9A002-2815-4644-968D-45D6D26E0415}"/>
+              </a:ext>
+            </a:extLst>
+          </p:cNvPr>
+          <p:cNvSpPr>
+            <a:spLocks noGrp="1"/>
+          </p:cNvSpPr>
+          <p:nvPr>
+            <p:ph type="title"/>
           </p:nvPr>
         </p:nvSpPr>
         <p:spPr/>
@@ -4678,8 +4710,170 @@
           <a:p>
             <a:r>
               <a:rPr lang="ru-RU" dirty="0"/>
-              <a:t>Обзор курса</a:t>
-            </a:r>
+              <a:t>Обзор курса. 	</a:t>
+            </a:r>
+            <a:endParaRPr lang="en-US" dirty="0"/>
+          </a:p>
+        </p:txBody>
+      </p:sp>
+      <p:sp>
+        <p:nvSpPr>
+          <p:cNvPr id="3" name="Content Placeholder 2">
+            <a:extLst>
+              <a:ext uri="{FF2B5EF4-FFF2-40B4-BE49-F238E27FC236}">
+                <a16:creationId xmlns:a16="http://schemas.microsoft.com/office/drawing/2014/main" id="{35FA33D5-F365-458E-AEF1-41D1EED15EE6}"/>
+              </a:ext>
+            </a:extLst>
+          </p:cNvPr>
+          <p:cNvSpPr>
+            <a:spLocks noGrp="1"/>
+          </p:cNvSpPr>
+          <p:nvPr>
+            <p:ph idx="1"/>
+          </p:nvPr>
+        </p:nvSpPr>
+        <p:spPr/>
+        <p:txBody>
+          <a:bodyPr>
+            <a:normAutofit lnSpcReduction="10000"/>
+          </a:bodyPr>
+          <a:lstStyle/>
+          <a:p>
+            <a:pPr marL="0" indent="0">
+              <a:buNone/>
+            </a:pPr>
+            <a:endParaRPr lang="en-US" dirty="0"/>
+          </a:p>
+          <a:p>
+            <a:pPr marL="514350" indent="-514350">
+              <a:buAutoNum type="arabicPeriod"/>
+            </a:pPr>
+            <a:r>
+              <a:rPr lang="ru-RU" dirty="0"/>
+              <a:t>Основы</a:t>
+            </a:r>
+            <a:r>
+              <a:rPr lang="en-US" dirty="0"/>
+              <a:t>: </a:t>
+            </a:r>
+            <a:r>
+              <a:rPr lang="ru-RU" dirty="0"/>
+              <a:t>Реляционная модель данных и </a:t>
+            </a:r>
+            <a:r>
+              <a:rPr lang="en-US" dirty="0"/>
+              <a:t>SQL</a:t>
+            </a:r>
+          </a:p>
+          <a:p>
+            <a:pPr lvl="1"/>
+            <a:r>
+              <a:rPr lang="ru-RU" dirty="0"/>
+              <a:t>Лекции 1-2</a:t>
+            </a:r>
+          </a:p>
+          <a:p>
+            <a:pPr lvl="1"/>
+            <a:r>
+              <a:rPr lang="ru-RU" dirty="0"/>
+              <a:t>Как управлять данными с помощью </a:t>
+            </a:r>
+            <a:r>
+              <a:rPr lang="en-US" dirty="0"/>
+              <a:t>SQL</a:t>
+            </a:r>
+          </a:p>
+          <a:p>
+            <a:pPr marL="514350" indent="-514350">
+              <a:buFont typeface="+mj-lt"/>
+              <a:buAutoNum type="arabicPeriod"/>
+            </a:pPr>
+            <a:r>
+              <a:rPr lang="ru-RU" dirty="0"/>
+              <a:t>Архитектера БД + сложный </a:t>
+            </a:r>
+            <a:r>
+              <a:rPr lang="en-US" dirty="0"/>
+              <a:t>SQL</a:t>
+            </a:r>
+            <a:endParaRPr lang="ru-RU" dirty="0"/>
+          </a:p>
+          <a:p>
+            <a:pPr lvl="1"/>
+            <a:r>
+              <a:rPr lang="ru-RU" dirty="0"/>
+              <a:t>Лекции </a:t>
+            </a:r>
+            <a:r>
+              <a:rPr lang="en-US" dirty="0"/>
+              <a:t>3</a:t>
+            </a:r>
+            <a:r>
+              <a:rPr lang="ru-RU" dirty="0"/>
+              <a:t>-</a:t>
+            </a:r>
+            <a:r>
+              <a:rPr lang="en-US" dirty="0"/>
+              <a:t>4</a:t>
+            </a:r>
+            <a:r>
+              <a:rPr lang="ru-RU" dirty="0"/>
+              <a:t>	</a:t>
+            </a:r>
+          </a:p>
+          <a:p>
+            <a:pPr marL="514350" indent="-514350">
+              <a:buFont typeface="+mj-lt"/>
+              <a:buAutoNum type="arabicPeriod"/>
+            </a:pPr>
+            <a:r>
+              <a:rPr lang="ru-RU" dirty="0"/>
+              <a:t>Транзакции</a:t>
+            </a:r>
+            <a:r>
+              <a:rPr lang="en-US" dirty="0"/>
+              <a:t>: </a:t>
+            </a:r>
+            <a:r>
+              <a:rPr lang="ru-RU" dirty="0"/>
+              <a:t>синтаксис и поддержание системы</a:t>
+            </a:r>
+          </a:p>
+          <a:p>
+            <a:pPr lvl="1"/>
+            <a:r>
+              <a:rPr lang="ru-RU" dirty="0"/>
+              <a:t>Лекция 5</a:t>
+            </a:r>
+          </a:p>
+          <a:p>
+            <a:pPr marL="514350" indent="-514350">
+              <a:buFont typeface="+mj-lt"/>
+              <a:buAutoNum type="arabicPeriod"/>
+            </a:pPr>
+            <a:r>
+              <a:rPr lang="ru-RU" dirty="0"/>
+              <a:t>Взаимодействие с ЯП</a:t>
+            </a:r>
+          </a:p>
+          <a:p>
+            <a:pPr lvl="1"/>
+            <a:r>
+              <a:rPr lang="ru-RU"/>
+              <a:t>Лекция 6-7</a:t>
+            </a:r>
+            <a:endParaRPr lang="en-US" dirty="0"/>
+          </a:p>
+          <a:p>
+            <a:pPr marL="514350" indent="-514350">
+              <a:buAutoNum type="arabicPeriod"/>
+            </a:pPr>
+            <a:endParaRPr lang="en-US" dirty="0"/>
+          </a:p>
+          <a:p>
+            <a:pPr marL="971550" lvl="1" indent="-514350">
+              <a:buAutoNum type="arabicPeriod"/>
+            </a:pPr>
             <a:endParaRPr lang="en-US" dirty="0"/>
           </a:p>
         </p:txBody>
@@ -4687,7 +4881,7 @@
     </p:spTree>
     <p:extLst>
       <p:ext uri="{BB962C8B-B14F-4D97-AF65-F5344CB8AC3E}">
-        <p14:creationId xmlns:p14="http://schemas.microsoft.com/office/powerpoint/2010/main" val="3779655839"/>
+        <p14:creationId xmlns:p14="http://schemas.microsoft.com/office/powerpoint/2010/main" val="2967328911"/>
       </p:ext>
     </p:extLst>
   </p:cSld>
@@ -4716,18 +4910,18 @@
       </p:grpSpPr>
       <p:sp>
         <p:nvSpPr>
-          <p:cNvPr id="2" name="Title 1">
-            <a:extLst>
-              <a:ext uri="{FF2B5EF4-FFF2-40B4-BE49-F238E27FC236}">
-                <a16:creationId xmlns:a16="http://schemas.microsoft.com/office/drawing/2014/main" id="{64D9A002-2815-4644-968D-45D6D26E0415}"/>
-              </a:ext>
-            </a:extLst>
-          </p:cNvPr>
-          <p:cNvSpPr>
-            <a:spLocks noGrp="1"/>
-          </p:cNvSpPr>
-          <p:nvPr>
-            <p:ph type="title"/>
+          <p:cNvPr id="4" name="Title 3">
+            <a:extLst>
+              <a:ext uri="{FF2B5EF4-FFF2-40B4-BE49-F238E27FC236}">
+                <a16:creationId xmlns:a16="http://schemas.microsoft.com/office/drawing/2014/main" id="{2B601CE9-DA04-4CB5-8801-8932331EAD79}"/>
+              </a:ext>
+            </a:extLst>
+          </p:cNvPr>
+          <p:cNvSpPr>
+            <a:spLocks noGrp="1"/>
+          </p:cNvSpPr>
+          <p:nvPr>
+            <p:ph type="ctrTitle"/>
           </p:nvPr>
         </p:nvSpPr>
         <p:spPr/>
@@ -4737,7 +4931,7 @@
           <a:p>
             <a:r>
               <a:rPr lang="ru-RU" dirty="0"/>
-              <a:t>Обзор курса. 	</a:t>
+              <a:t>Обзор технологий курса</a:t>
             </a:r>
             <a:endParaRPr lang="en-US" dirty="0"/>
           </a:p>
@@ -4745,186 +4939,33 @@
       </p:sp>
       <p:sp>
         <p:nvSpPr>
-          <p:cNvPr id="3" name="Content Placeholder 2">
-            <a:extLst>
-              <a:ext uri="{FF2B5EF4-FFF2-40B4-BE49-F238E27FC236}">
-                <a16:creationId xmlns:a16="http://schemas.microsoft.com/office/drawing/2014/main" id="{35FA33D5-F365-458E-AEF1-41D1EED15EE6}"/>
-              </a:ext>
-            </a:extLst>
-          </p:cNvPr>
-          <p:cNvSpPr>
-            <a:spLocks noGrp="1"/>
-          </p:cNvSpPr>
-          <p:nvPr>
-            <p:ph idx="1"/>
+          <p:cNvPr id="5" name="Subtitle 4">
+            <a:extLst>
+              <a:ext uri="{FF2B5EF4-FFF2-40B4-BE49-F238E27FC236}">
+                <a16:creationId xmlns:a16="http://schemas.microsoft.com/office/drawing/2014/main" id="{EAE3A3F0-34A9-4E65-B418-AEBBA3881A94}"/>
+              </a:ext>
+            </a:extLst>
+          </p:cNvPr>
+          <p:cNvSpPr>
+            <a:spLocks noGrp="1"/>
+          </p:cNvSpPr>
+          <p:nvPr>
+            <p:ph type="subTitle" idx="1"/>
           </p:nvPr>
         </p:nvSpPr>
         <p:spPr/>
         <p:txBody>
-          <a:bodyPr>
-            <a:normAutofit fontScale="92500" lnSpcReduction="20000"/>
-          </a:bodyPr>
-          <a:lstStyle/>
-          <a:p>
-            <a:pPr marL="514350" indent="-514350">
-              <a:buAutoNum type="arabicPeriod"/>
-            </a:pPr>
-            <a:r>
-              <a:rPr lang="ru-RU" dirty="0"/>
-              <a:t>Быстрое введение в </a:t>
-            </a:r>
-            <a:r>
-              <a:rPr lang="en-US" dirty="0"/>
-              <a:t>Python</a:t>
-            </a:r>
-          </a:p>
-          <a:p>
-            <a:pPr marL="514350" indent="-514350">
-              <a:buAutoNum type="arabicPeriod"/>
-            </a:pPr>
-            <a:r>
-              <a:rPr lang="ru-RU" dirty="0"/>
-              <a:t>Основы</a:t>
-            </a:r>
-            <a:r>
-              <a:rPr lang="en-US" dirty="0"/>
-              <a:t>: </a:t>
-            </a:r>
-            <a:r>
-              <a:rPr lang="ru-RU" dirty="0"/>
-              <a:t>Реляционная модель данных и </a:t>
-            </a:r>
-            <a:r>
-              <a:rPr lang="en-US" dirty="0"/>
-              <a:t>SQL</a:t>
-            </a:r>
-          </a:p>
-          <a:p>
-            <a:pPr lvl="1"/>
-            <a:r>
-              <a:rPr lang="ru-RU" dirty="0"/>
-              <a:t>Лекции 2-3</a:t>
-            </a:r>
-          </a:p>
-          <a:p>
-            <a:pPr lvl="1"/>
-            <a:r>
-              <a:rPr lang="ru-RU" dirty="0"/>
-              <a:t>Как управлять данными с помощью </a:t>
-            </a:r>
-            <a:r>
-              <a:rPr lang="en-US" dirty="0"/>
-              <a:t>SQL</a:t>
-            </a:r>
-          </a:p>
-          <a:p>
-            <a:pPr marL="514350" indent="-514350">
-              <a:buFont typeface="+mj-lt"/>
-              <a:buAutoNum type="arabicPeriod"/>
-            </a:pPr>
-            <a:r>
-              <a:rPr lang="ru-RU" dirty="0"/>
-              <a:t>Разработка баз данных</a:t>
-            </a:r>
-            <a:r>
-              <a:rPr lang="en-US" dirty="0"/>
-              <a:t>: </a:t>
-            </a:r>
-            <a:r>
-              <a:rPr lang="ru-RU" dirty="0"/>
-              <a:t>теория разработки и ограничений</a:t>
-            </a:r>
-          </a:p>
-          <a:p>
-            <a:pPr lvl="1"/>
-            <a:r>
-              <a:rPr lang="ru-RU" dirty="0"/>
-              <a:t>Лекции 4-6 	</a:t>
-            </a:r>
-          </a:p>
-          <a:p>
-            <a:pPr lvl="1"/>
-            <a:r>
-              <a:rPr lang="ru-RU" dirty="0"/>
-              <a:t>Разработка реляционной схемы для </a:t>
-            </a:r>
-            <a:r>
-              <a:rPr lang="ru-RU" dirty="0" err="1"/>
-              <a:t>избежания</a:t>
-            </a:r>
-            <a:r>
-              <a:rPr lang="ru-RU" dirty="0"/>
-              <a:t> некорректных данных</a:t>
-            </a:r>
-          </a:p>
-          <a:p>
-            <a:pPr marL="514350" indent="-514350">
-              <a:buFont typeface="+mj-lt"/>
-              <a:buAutoNum type="arabicPeriod"/>
-            </a:pPr>
-            <a:r>
-              <a:rPr lang="ru-RU" dirty="0"/>
-              <a:t>Транзакции</a:t>
-            </a:r>
-            <a:r>
-              <a:rPr lang="en-US" dirty="0"/>
-              <a:t>: </a:t>
-            </a:r>
-            <a:r>
-              <a:rPr lang="ru-RU" dirty="0"/>
-              <a:t>синтаксис и поддержание системы</a:t>
-            </a:r>
-          </a:p>
-          <a:p>
-            <a:pPr lvl="1"/>
-            <a:r>
-              <a:rPr lang="ru-RU" dirty="0"/>
-              <a:t>Лекции 7-8</a:t>
-            </a:r>
-          </a:p>
-          <a:p>
-            <a:pPr marL="514350" indent="-514350">
-              <a:buFont typeface="+mj-lt"/>
-              <a:buAutoNum type="arabicPeriod"/>
-            </a:pPr>
-            <a:r>
-              <a:rPr lang="ru-RU" dirty="0"/>
-              <a:t>Введение в СУБД</a:t>
-            </a:r>
-          </a:p>
-          <a:p>
-            <a:pPr lvl="1"/>
-            <a:r>
-              <a:rPr lang="ru-RU" dirty="0"/>
-              <a:t>Индексы, основы оптимизации запросов</a:t>
-            </a:r>
-          </a:p>
-          <a:p>
-            <a:pPr lvl="1"/>
-            <a:r>
-              <a:rPr lang="ru-RU" dirty="0"/>
-              <a:t>Лекции 9-12</a:t>
-            </a:r>
-            <a:endParaRPr lang="en-US" dirty="0"/>
-          </a:p>
-          <a:p>
-            <a:pPr marL="514350" indent="-514350">
-              <a:buAutoNum type="arabicPeriod"/>
-            </a:pPr>
-            <a:endParaRPr lang="en-US" dirty="0"/>
-          </a:p>
-          <a:p>
-            <a:pPr marL="971550" lvl="1" indent="-514350">
-              <a:buAutoNum type="arabicPeriod"/>
-            </a:pPr>
-            <a:endParaRPr lang="en-US" dirty="0"/>
+          <a:bodyPr/>
+          <a:lstStyle/>
+          <a:p>
+            <a:endParaRPr lang="en-US"/>
           </a:p>
         </p:txBody>
       </p:sp>
     </p:spTree>
     <p:extLst>
       <p:ext uri="{BB962C8B-B14F-4D97-AF65-F5344CB8AC3E}">
-        <p14:creationId xmlns:p14="http://schemas.microsoft.com/office/powerpoint/2010/main" val="2967328911"/>
+        <p14:creationId xmlns:p14="http://schemas.microsoft.com/office/powerpoint/2010/main" val="3934245395"/>
       </p:ext>
     </p:extLst>
   </p:cSld>
@@ -4953,18 +4994,18 @@
       </p:grpSpPr>
       <p:sp>
         <p:nvSpPr>
-          <p:cNvPr id="4" name="Title 3">
-            <a:extLst>
-              <a:ext uri="{FF2B5EF4-FFF2-40B4-BE49-F238E27FC236}">
-                <a16:creationId xmlns:a16="http://schemas.microsoft.com/office/drawing/2014/main" id="{2B601CE9-DA04-4CB5-8801-8932331EAD79}"/>
-              </a:ext>
-            </a:extLst>
-          </p:cNvPr>
-          <p:cNvSpPr>
-            <a:spLocks noGrp="1"/>
-          </p:cNvSpPr>
-          <p:nvPr>
-            <p:ph type="ctrTitle"/>
+          <p:cNvPr id="2" name="Title 1">
+            <a:extLst>
+              <a:ext uri="{FF2B5EF4-FFF2-40B4-BE49-F238E27FC236}">
+                <a16:creationId xmlns:a16="http://schemas.microsoft.com/office/drawing/2014/main" id="{B2E621CC-0263-40F2-B497-6674691A9BE3}"/>
+              </a:ext>
+            </a:extLst>
+          </p:cNvPr>
+          <p:cNvSpPr>
+            <a:spLocks noGrp="1"/>
+          </p:cNvSpPr>
+          <p:nvPr>
+            <p:ph type="title"/>
           </p:nvPr>
         </p:nvSpPr>
         <p:spPr/>
@@ -4982,18 +5023,18 @@
       </p:sp>
       <p:sp>
         <p:nvSpPr>
-          <p:cNvPr id="5" name="Subtitle 4">
-            <a:extLst>
-              <a:ext uri="{FF2B5EF4-FFF2-40B4-BE49-F238E27FC236}">
-                <a16:creationId xmlns:a16="http://schemas.microsoft.com/office/drawing/2014/main" id="{EAE3A3F0-34A9-4E65-B418-AEBBA3881A94}"/>
-              </a:ext>
-            </a:extLst>
-          </p:cNvPr>
-          <p:cNvSpPr>
-            <a:spLocks noGrp="1"/>
-          </p:cNvSpPr>
-          <p:nvPr>
-            <p:ph type="subTitle" idx="1"/>
+          <p:cNvPr id="3" name="Content Placeholder 2">
+            <a:extLst>
+              <a:ext uri="{FF2B5EF4-FFF2-40B4-BE49-F238E27FC236}">
+                <a16:creationId xmlns:a16="http://schemas.microsoft.com/office/drawing/2014/main" id="{85723F10-0C2D-4DF5-84B2-B91B44EA2CFB}"/>
+              </a:ext>
+            </a:extLst>
+          </p:cNvPr>
+          <p:cNvSpPr>
+            <a:spLocks noGrp="1"/>
+          </p:cNvSpPr>
+          <p:nvPr>
+            <p:ph idx="1"/>
           </p:nvPr>
         </p:nvSpPr>
         <p:spPr/>
@@ -5001,14 +5042,53 @@
           <a:bodyPr/>
           <a:lstStyle/>
           <a:p>
-            <a:endParaRPr lang="en-US"/>
+            <a:r>
+              <a:rPr lang="en-US" dirty="0"/>
+              <a:t>Python 3.5(3.6)</a:t>
+            </a:r>
+          </a:p>
+          <a:p>
+            <a:r>
+              <a:rPr lang="en-US" dirty="0" err="1"/>
+              <a:t>Sqlite</a:t>
+            </a:r>
+            <a:endParaRPr lang="en-US" dirty="0"/>
+          </a:p>
+          <a:p>
+            <a:r>
+              <a:rPr lang="en-US" dirty="0" err="1"/>
+              <a:t>Jupyter</a:t>
+            </a:r>
+            <a:r>
+              <a:rPr lang="en-US" dirty="0"/>
+              <a:t> Notebook</a:t>
+            </a:r>
+          </a:p>
+          <a:p>
+            <a:r>
+              <a:rPr lang="en-US" dirty="0" err="1"/>
+              <a:t>Postgresql</a:t>
+            </a:r>
+            <a:r>
+              <a:rPr lang="en-US" dirty="0"/>
+              <a:t>?</a:t>
+            </a:r>
+          </a:p>
+          <a:p>
+            <a:r>
+              <a:rPr lang="en-US" dirty="0"/>
+              <a:t>XML, JSON, csv</a:t>
+            </a:r>
+          </a:p>
+          <a:p>
+            <a:endParaRPr lang="en-US" dirty="0"/>
           </a:p>
         </p:txBody>
       </p:sp>
     </p:spTree>
     <p:extLst>
       <p:ext uri="{BB962C8B-B14F-4D97-AF65-F5344CB8AC3E}">
-        <p14:creationId xmlns:p14="http://schemas.microsoft.com/office/powerpoint/2010/main" val="3934245395"/>
+        <p14:creationId xmlns:p14="http://schemas.microsoft.com/office/powerpoint/2010/main" val="3267781587"/>
       </p:ext>
     </p:extLst>
   </p:cSld>
@@ -5106,7 +5186,7 @@
           <p:cNvPr id="2" name="Title 1">
             <a:extLst>
               <a:ext uri="{FF2B5EF4-FFF2-40B4-BE49-F238E27FC236}">
-                <a16:creationId xmlns:a16="http://schemas.microsoft.com/office/drawing/2014/main" id="{B2E621CC-0263-40F2-B497-6674691A9BE3}"/>
+                <a16:creationId xmlns:a16="http://schemas.microsoft.com/office/drawing/2014/main" id="{038B98F1-A8C7-413F-9F1D-A2552F684E65}"/>
               </a:ext>
             </a:extLst>
           </p:cNvPr>
@@ -5124,7 +5204,7 @@
           <a:p>
             <a:r>
               <a:rPr lang="ru-RU" dirty="0"/>
-              <a:t>Обзор технологий курса</a:t>
+              <a:t>База данных</a:t>
             </a:r>
             <a:endParaRPr lang="en-US" dirty="0"/>
           </a:p>
@@ -5135,7 +5215,7 @@
           <p:cNvPr id="3" name="Content Placeholder 2">
             <a:extLst>
               <a:ext uri="{FF2B5EF4-FFF2-40B4-BE49-F238E27FC236}">
-                <a16:creationId xmlns:a16="http://schemas.microsoft.com/office/drawing/2014/main" id="{85723F10-0C2D-4DF5-84B2-B91B44EA2CFB}"/>
+                <a16:creationId xmlns:a16="http://schemas.microsoft.com/office/drawing/2014/main" id="{2F52B15E-92AC-4FA5-B351-73C8ABA400D1}"/>
               </a:ext>
             </a:extLst>
           </p:cNvPr>
@@ -5151,45 +5231,44 @@
           <a:bodyPr/>
           <a:lstStyle/>
           <a:p>
+            <a:pPr marL="0" indent="0">
+              <a:buNone/>
+            </a:pPr>
+            <a:r>
+              <a:rPr lang="ru-RU" dirty="0"/>
+              <a:t>База данных – это набор пермаментной информации, существующий в течение </a:t>
+            </a:r>
             <a:r>
               <a:rPr lang="en-US" dirty="0"/>
-              <a:t>Python 3.5(3.6)</a:t>
-            </a:r>
-          </a:p>
-          <a:p>
-            <a:r>
-              <a:rPr lang="en-US" dirty="0" err="1"/>
-              <a:t>Sqlite</a:t>
-            </a:r>
-            <a:endParaRPr lang="en-US" dirty="0"/>
-          </a:p>
-          <a:p>
-            <a:r>
-              <a:rPr lang="en-US" dirty="0" err="1"/>
-              <a:t>Jupyter</a:t>
+              <a:t>“</a:t>
+            </a:r>
+            <a:r>
+              <a:rPr lang="ru-RU" dirty="0"/>
+              <a:t>долгого</a:t>
             </a:r>
             <a:r>
               <a:rPr lang="en-US" dirty="0"/>
-              <a:t> Notebook</a:t>
-            </a:r>
-          </a:p>
-          <a:p>
-            <a:r>
-              <a:rPr lang="en-US" dirty="0" err="1"/>
-              <a:t>Postgresql</a:t>
-            </a:r>
-            <a:r>
-              <a:rPr lang="en-US" dirty="0"/>
-              <a:t>?</a:t>
-            </a:r>
-          </a:p>
-          <a:p>
-            <a:r>
-              <a:rPr lang="en-US" dirty="0"/>
-              <a:t>XML, JSON, csv</a:t>
-            </a:r>
-          </a:p>
-          <a:p>
+              <a:t>” </a:t>
+            </a:r>
+            <a:r>
+              <a:rPr lang="ru-RU" dirty="0"/>
+              <a:t>времени.</a:t>
+            </a:r>
+          </a:p>
+          <a:p>
+            <a:pPr marL="0" indent="0">
+              <a:buNone/>
+            </a:pPr>
+            <a:endParaRPr lang="ru-RU" dirty="0"/>
+          </a:p>
+          <a:p>
+            <a:pPr marL="0" indent="0">
+              <a:buNone/>
+            </a:pPr>
+            <a:r>
+              <a:rPr lang="ru-RU" dirty="0"/>
+              <a:t>Часто говорят, что база данных – это набор данных, управляемый системой управления базами данных (далее СУБД)</a:t>
+            </a:r>
             <a:endParaRPr lang="en-US" dirty="0"/>
           </a:p>
         </p:txBody>
@@ -5197,7 +5276,7 @@
     </p:spTree>
     <p:extLst>
       <p:ext uri="{BB962C8B-B14F-4D97-AF65-F5344CB8AC3E}">
-        <p14:creationId xmlns:p14="http://schemas.microsoft.com/office/powerpoint/2010/main" val="3267781587"/>
+        <p14:creationId xmlns:p14="http://schemas.microsoft.com/office/powerpoint/2010/main" val="1907742074"/>
       </p:ext>
     </p:extLst>
   </p:cSld>
@@ -5229,7 +5308,7 @@
           <p:cNvPr id="2" name="Title 1">
             <a:extLst>
               <a:ext uri="{FF2B5EF4-FFF2-40B4-BE49-F238E27FC236}">
-                <a16:creationId xmlns:a16="http://schemas.microsoft.com/office/drawing/2014/main" id="{038B98F1-A8C7-413F-9F1D-A2552F684E65}"/>
+                <a16:creationId xmlns:a16="http://schemas.microsoft.com/office/drawing/2014/main" id="{90261D2C-226A-4C4E-AD61-A0BBBF604E6D}"/>
               </a:ext>
             </a:extLst>
           </p:cNvPr>
@@ -5247,7 +5326,7 @@
           <a:p>
             <a:r>
               <a:rPr lang="ru-RU" dirty="0"/>
-              <a:t>База данных</a:t>
+              <a:t>СУБД </a:t>
             </a:r>
             <a:endParaRPr lang="en-US" dirty="0"/>
           </a:p>
@@ -5258,7 +5337,7 @@
           <p:cNvPr id="3" name="Content Placeholder 2">
             <a:extLst>
               <a:ext uri="{FF2B5EF4-FFF2-40B4-BE49-F238E27FC236}">
-                <a16:creationId xmlns:a16="http://schemas.microsoft.com/office/drawing/2014/main" id="{2F52B15E-92AC-4FA5-B351-73C8ABA400D1}"/>
+                <a16:creationId xmlns:a16="http://schemas.microsoft.com/office/drawing/2014/main" id="{A7E9BA94-32D5-482F-9546-941194F8D35B}"/>
               </a:ext>
             </a:extLst>
           </p:cNvPr>
@@ -5274,12 +5353,39 @@
           <a:bodyPr/>
           <a:lstStyle/>
           <a:p>
-            <a:pPr marL="0" indent="0">
-              <a:buNone/>
+            <a:pPr marL="514350" indent="-514350">
+              <a:buFont typeface="+mj-lt"/>
+              <a:buAutoNum type="arabicPeriod"/>
             </a:pPr>
             <a:r>
               <a:rPr lang="ru-RU" dirty="0"/>
-              <a:t>База данных – это набор пермаментной информации, существующий в течение </a:t>
+              <a:t>Позволяет пользователям создавать новые экземпляры баз данных, а также указывать свои </a:t>
+            </a:r>
+            <a:r>
+              <a:rPr lang="ru-RU" i="1" dirty="0"/>
+              <a:t>схемы </a:t>
+            </a:r>
+            <a:r>
+              <a:rPr lang="en-US" i="1" dirty="0"/>
+              <a:t>(Schemas) – </a:t>
+            </a:r>
+            <a:r>
+              <a:rPr lang="ru-RU" dirty="0"/>
+              <a:t>логические структруры данных, используя специальный язык </a:t>
+            </a:r>
+            <a:r>
+              <a:rPr lang="en-US" dirty="0"/>
+              <a:t>DDL (data-definition language).</a:t>
+            </a:r>
+          </a:p>
+          <a:p>
+            <a:pPr marL="514350" indent="-514350">
+              <a:buFont typeface="+mj-lt"/>
+              <a:buAutoNum type="arabicPeriod"/>
+            </a:pPr>
+            <a:r>
+              <a:rPr lang="ru-RU" dirty="0"/>
+              <a:t>Возможность </a:t>
             </a:r>
             <a:r>
               <a:rPr lang="en-US" dirty="0"/>
@@ -5287,7 +5393,7 @@
             </a:r>
             <a:r>
               <a:rPr lang="ru-RU" dirty="0"/>
-              <a:t>долгого</a:t>
+              <a:t>запрашивать</a:t>
             </a:r>
             <a:r>
               <a:rPr lang="en-US" dirty="0"/>
@@ -5295,31 +5401,27 @@
             </a:r>
             <a:r>
               <a:rPr lang="ru-RU" dirty="0"/>
-              <a:t>времени.</a:t>
-            </a:r>
-          </a:p>
-          <a:p>
-            <a:pPr marL="0" indent="0">
-              <a:buNone/>
-            </a:pPr>
-            <a:endParaRPr lang="ru-RU" dirty="0"/>
-          </a:p>
-          <a:p>
-            <a:pPr marL="0" indent="0">
-              <a:buNone/>
-            </a:pPr>
-            <a:r>
-              <a:rPr lang="ru-RU" dirty="0"/>
-              <a:t>Часто говорят, что база данных – это набор данных, управляемый системой управления базами данных (далее СУБД)</a:t>
-            </a:r>
-            <a:endParaRPr lang="en-US" dirty="0"/>
+              <a:t>данные (</a:t>
+            </a:r>
+            <a:r>
+              <a:rPr lang="en-US" dirty="0"/>
+              <a:t>query) </a:t>
+            </a:r>
+            <a:r>
+              <a:rPr lang="ru-RU" dirty="0"/>
+              <a:t>и модифицировать их, используя специальный язык запросов или </a:t>
+            </a:r>
+            <a:r>
+              <a:rPr lang="en-US" dirty="0"/>
+              <a:t>DML (data-manipulation language)</a:t>
+            </a:r>
           </a:p>
         </p:txBody>
       </p:sp>
     </p:spTree>
     <p:extLst>
       <p:ext uri="{BB962C8B-B14F-4D97-AF65-F5344CB8AC3E}">
-        <p14:creationId xmlns:p14="http://schemas.microsoft.com/office/powerpoint/2010/main" val="1907742074"/>
+        <p14:creationId xmlns:p14="http://schemas.microsoft.com/office/powerpoint/2010/main" val="3928244443"/>
       </p:ext>
     </p:extLst>
   </p:cSld>
@@ -5398,151 +5500,6 @@
           <a:p>
             <a:pPr marL="514350" indent="-514350">
               <a:buFont typeface="+mj-lt"/>
-              <a:buAutoNum type="arabicPeriod"/>
-            </a:pPr>
-            <a:r>
-              <a:rPr lang="ru-RU" dirty="0"/>
-              <a:t>Позволяет пользователям создавать новые экземпляры баз данных, а также указывать свои </a:t>
-            </a:r>
-            <a:r>
-              <a:rPr lang="ru-RU" i="1" dirty="0"/>
-              <a:t>схемы </a:t>
-            </a:r>
-            <a:r>
-              <a:rPr lang="en-US" i="1" dirty="0"/>
-              <a:t>(Schemas) – </a:t>
-            </a:r>
-            <a:r>
-              <a:rPr lang="ru-RU" dirty="0"/>
-              <a:t>логические структруры данных, используя специальный язык </a:t>
-            </a:r>
-            <a:r>
-              <a:rPr lang="en-US" dirty="0"/>
-              <a:t>DDL (data-definition language).</a:t>
-            </a:r>
-          </a:p>
-          <a:p>
-            <a:pPr marL="514350" indent="-514350">
-              <a:buFont typeface="+mj-lt"/>
-              <a:buAutoNum type="arabicPeriod"/>
-            </a:pPr>
-            <a:r>
-              <a:rPr lang="ru-RU" dirty="0"/>
-              <a:t>Возможность </a:t>
-            </a:r>
-            <a:r>
-              <a:rPr lang="en-US" dirty="0"/>
-              <a:t>“</a:t>
-            </a:r>
-            <a:r>
-              <a:rPr lang="ru-RU" dirty="0"/>
-              <a:t>запрашивать</a:t>
-            </a:r>
-            <a:r>
-              <a:rPr lang="en-US" dirty="0"/>
-              <a:t>” </a:t>
-            </a:r>
-            <a:r>
-              <a:rPr lang="ru-RU" dirty="0"/>
-              <a:t>данные (</a:t>
-            </a:r>
-            <a:r>
-              <a:rPr lang="en-US" dirty="0"/>
-              <a:t>query) </a:t>
-            </a:r>
-            <a:r>
-              <a:rPr lang="ru-RU" dirty="0"/>
-              <a:t>и модифицировать их, используя специальный язык запросов или </a:t>
-            </a:r>
-            <a:r>
-              <a:rPr lang="en-US" dirty="0"/>
-              <a:t>DML (data-manipulation language)</a:t>
-            </a:r>
-          </a:p>
-        </p:txBody>
-      </p:sp>
-    </p:spTree>
-    <p:extLst>
-      <p:ext uri="{BB962C8B-B14F-4D97-AF65-F5344CB8AC3E}">
-        <p14:creationId xmlns:p14="http://schemas.microsoft.com/office/powerpoint/2010/main" val="3928244443"/>
-      </p:ext>
-    </p:extLst>
-  </p:cSld>
-  <p:clrMapOvr>
-    <a:masterClrMapping/>
-  </p:clrMapOvr>
-</p:sld>
-</file>
-
-<file path=ppt/slides/slide23.xml><?xml version="1.0" encoding="utf-8"?>
-<p:sld xmlns:a="http://schemas.openxmlformats.org/drawingml/2006/main" xmlns:r="http://schemas.openxmlformats.org/officeDocument/2006/relationships" xmlns:p="http://schemas.openxmlformats.org/presentationml/2006/main">
-  <p:cSld>
-    <p:spTree>
-      <p:nvGrpSpPr>
-        <p:cNvPr id="1" name=""/>
-        <p:cNvGrpSpPr/>
-        <p:nvPr/>
-      </p:nvGrpSpPr>
-      <p:grpSpPr>
-        <a:xfrm>
-          <a:off x="0" y="0"/>
-          <a:ext cx="0" cy="0"/>
-          <a:chOff x="0" y="0"/>
-          <a:chExt cx="0" cy="0"/>
-        </a:xfrm>
-      </p:grpSpPr>
-      <p:sp>
-        <p:nvSpPr>
-          <p:cNvPr id="2" name="Title 1">
-            <a:extLst>
-              <a:ext uri="{FF2B5EF4-FFF2-40B4-BE49-F238E27FC236}">
-                <a16:creationId xmlns:a16="http://schemas.microsoft.com/office/drawing/2014/main" id="{90261D2C-226A-4C4E-AD61-A0BBBF604E6D}"/>
-              </a:ext>
-            </a:extLst>
-          </p:cNvPr>
-          <p:cNvSpPr>
-            <a:spLocks noGrp="1"/>
-          </p:cNvSpPr>
-          <p:nvPr>
-            <p:ph type="title"/>
-          </p:nvPr>
-        </p:nvSpPr>
-        <p:spPr/>
-        <p:txBody>
-          <a:bodyPr/>
-          <a:lstStyle/>
-          <a:p>
-            <a:r>
-              <a:rPr lang="ru-RU" dirty="0"/>
-              <a:t>СУБД </a:t>
-            </a:r>
-            <a:endParaRPr lang="en-US" dirty="0"/>
-          </a:p>
-        </p:txBody>
-      </p:sp>
-      <p:sp>
-        <p:nvSpPr>
-          <p:cNvPr id="3" name="Content Placeholder 2">
-            <a:extLst>
-              <a:ext uri="{FF2B5EF4-FFF2-40B4-BE49-F238E27FC236}">
-                <a16:creationId xmlns:a16="http://schemas.microsoft.com/office/drawing/2014/main" id="{A7E9BA94-32D5-482F-9546-941194F8D35B}"/>
-              </a:ext>
-            </a:extLst>
-          </p:cNvPr>
-          <p:cNvSpPr>
-            <a:spLocks noGrp="1"/>
-          </p:cNvSpPr>
-          <p:nvPr>
-            <p:ph idx="1"/>
-          </p:nvPr>
-        </p:nvSpPr>
-        <p:spPr/>
-        <p:txBody>
-          <a:bodyPr/>
-          <a:lstStyle/>
-          <a:p>
-            <a:pPr marL="514350" indent="-514350">
-              <a:buFont typeface="+mj-lt"/>
               <a:buAutoNum type="arabicPeriod" startAt="3"/>
             </a:pPr>
             <a:r>
@@ -5634,7 +5591,7 @@
 </p:sld>
 </file>
 
-<file path=ppt/slides/slide24.xml><?xml version="1.0" encoding="utf-8"?>
+<file path=ppt/slides/slide23.xml><?xml version="1.0" encoding="utf-8"?>
 <p:sld xmlns:a="http://schemas.openxmlformats.org/drawingml/2006/main" xmlns:r="http://schemas.openxmlformats.org/officeDocument/2006/relationships" xmlns:p="http://schemas.openxmlformats.org/presentationml/2006/main">
   <p:cSld>
     <p:spTree>

--- a/Week1/Lec1.pptx
+++ b/Week1/Lec1.pptx
@@ -5,32 +5,31 @@
     <p:sldMasterId id="2147483660" r:id="rId1"/>
   </p:sldMasterIdLst>
   <p:notesMasterIdLst>
-    <p:notesMasterId r:id="rId25"/>
+    <p:notesMasterId r:id="rId24"/>
   </p:notesMasterIdLst>
   <p:sldIdLst>
     <p:sldId id="256" r:id="rId2"/>
     <p:sldId id="259" r:id="rId3"/>
-    <p:sldId id="257" r:id="rId4"/>
-    <p:sldId id="258" r:id="rId5"/>
-    <p:sldId id="260" r:id="rId6"/>
-    <p:sldId id="261" r:id="rId7"/>
-    <p:sldId id="262" r:id="rId8"/>
-    <p:sldId id="263" r:id="rId9"/>
-    <p:sldId id="264" r:id="rId10"/>
-    <p:sldId id="265" r:id="rId11"/>
-    <p:sldId id="266" r:id="rId12"/>
-    <p:sldId id="267" r:id="rId13"/>
-    <p:sldId id="268" r:id="rId14"/>
-    <p:sldId id="269" r:id="rId15"/>
-    <p:sldId id="271" r:id="rId16"/>
-    <p:sldId id="272" r:id="rId17"/>
-    <p:sldId id="273" r:id="rId18"/>
-    <p:sldId id="275" r:id="rId19"/>
-    <p:sldId id="274" r:id="rId20"/>
-    <p:sldId id="276" r:id="rId21"/>
-    <p:sldId id="277" r:id="rId22"/>
-    <p:sldId id="278" r:id="rId23"/>
-    <p:sldId id="279" r:id="rId24"/>
+    <p:sldId id="258" r:id="rId4"/>
+    <p:sldId id="260" r:id="rId5"/>
+    <p:sldId id="261" r:id="rId6"/>
+    <p:sldId id="262" r:id="rId7"/>
+    <p:sldId id="263" r:id="rId8"/>
+    <p:sldId id="264" r:id="rId9"/>
+    <p:sldId id="265" r:id="rId10"/>
+    <p:sldId id="266" r:id="rId11"/>
+    <p:sldId id="267" r:id="rId12"/>
+    <p:sldId id="268" r:id="rId13"/>
+    <p:sldId id="269" r:id="rId14"/>
+    <p:sldId id="271" r:id="rId15"/>
+    <p:sldId id="272" r:id="rId16"/>
+    <p:sldId id="273" r:id="rId17"/>
+    <p:sldId id="275" r:id="rId18"/>
+    <p:sldId id="274" r:id="rId19"/>
+    <p:sldId id="276" r:id="rId20"/>
+    <p:sldId id="277" r:id="rId21"/>
+    <p:sldId id="278" r:id="rId22"/>
+    <p:sldId id="279" r:id="rId23"/>
   </p:sldIdLst>
   <p:sldSz cx="12192000" cy="6858000"/>
   <p:notesSz cx="6858000" cy="9144000"/>
@@ -142,10 +141,32 @@
   <pc:docChgLst>
     <pc:chgData name="nikita bakanchev" userId="7425f483d9e5d2b1" providerId="LiveId" clId="{5E22B78B-CFAC-4862-8237-CD6995500DDF}"/>
     <pc:docChg chg="undo custSel delSld modSld">
-      <pc:chgData name="nikita bakanchev" userId="7425f483d9e5d2b1" providerId="LiveId" clId="{5E22B78B-CFAC-4862-8237-CD6995500DDF}" dt="2017-09-08T19:28:15.393" v="483" actId="20577"/>
+      <pc:chgData name="nikita bakanchev" userId="7425f483d9e5d2b1" providerId="LiveId" clId="{5E22B78B-CFAC-4862-8237-CD6995500DDF}" dt="2017-09-08T19:32:48.756" v="485" actId="2696"/>
       <pc:docMkLst>
         <pc:docMk/>
       </pc:docMkLst>
+      <pc:sldChg chg="del">
+        <pc:chgData name="nikita bakanchev" userId="7425f483d9e5d2b1" providerId="LiveId" clId="{5E22B78B-CFAC-4862-8237-CD6995500DDF}" dt="2017-09-08T19:32:48.756" v="485" actId="2696"/>
+        <pc:sldMkLst>
+          <pc:docMk/>
+          <pc:sldMk cId="1949923614" sldId="257"/>
+        </pc:sldMkLst>
+      </pc:sldChg>
+      <pc:sldChg chg="modSp">
+        <pc:chgData name="nikita bakanchev" userId="7425f483d9e5d2b1" providerId="LiveId" clId="{5E22B78B-CFAC-4862-8237-CD6995500DDF}" dt="2017-09-08T19:32:36.809" v="484" actId="20577"/>
+        <pc:sldMkLst>
+          <pc:docMk/>
+          <pc:sldMk cId="2924152985" sldId="264"/>
+        </pc:sldMkLst>
+        <pc:spChg chg="mod">
+          <ac:chgData name="nikita bakanchev" userId="7425f483d9e5d2b1" providerId="LiveId" clId="{5E22B78B-CFAC-4862-8237-CD6995500DDF}" dt="2017-09-08T19:32:36.809" v="484" actId="20577"/>
+          <ac:spMkLst>
+            <pc:docMk/>
+            <pc:sldMk cId="2924152985" sldId="264"/>
+            <ac:spMk id="3" creationId="{E07DA0D8-02B3-4FD9-8253-8277F6F0A832}"/>
+          </ac:spMkLst>
+        </pc:spChg>
+      </pc:sldChg>
       <pc:sldChg chg="modSp">
         <pc:chgData name="nikita bakanchev" userId="7425f483d9e5d2b1" providerId="LiveId" clId="{5E22B78B-CFAC-4862-8237-CD6995500DDF}" dt="2017-09-08T19:24:41.127" v="0" actId="20577"/>
         <pc:sldMkLst>
@@ -3900,7 +3921,7 @@
           <p:cNvPr id="2" name="Title 1">
             <a:extLst>
               <a:ext uri="{FF2B5EF4-FFF2-40B4-BE49-F238E27FC236}">
-                <a16:creationId xmlns:a16="http://schemas.microsoft.com/office/drawing/2014/main" id="{D4FB917B-095E-466E-8317-362E881EF3F3}"/>
+                <a16:creationId xmlns:a16="http://schemas.microsoft.com/office/drawing/2014/main" id="{DB22A4AE-971B-4625-9068-A69819F7C586}"/>
               </a:ext>
             </a:extLst>
           </p:cNvPr>
@@ -3918,7 +3939,7 @@
           <a:p>
             <a:r>
               <a:rPr lang="ru-RU" dirty="0"/>
-              <a:t>Контакты</a:t>
+              <a:t>Веб-сайт курса</a:t>
             </a:r>
             <a:endParaRPr lang="en-US" dirty="0"/>
           </a:p>
@@ -3929,7 +3950,7 @@
           <p:cNvPr id="3" name="Content Placeholder 2">
             <a:extLst>
               <a:ext uri="{FF2B5EF4-FFF2-40B4-BE49-F238E27FC236}">
-                <a16:creationId xmlns:a16="http://schemas.microsoft.com/office/drawing/2014/main" id="{7C8AE135-9EF2-419B-AE3F-12EE1C836C39}"/>
+                <a16:creationId xmlns:a16="http://schemas.microsoft.com/office/drawing/2014/main" id="{8AEB63AD-8969-4902-B0DD-7C44D0C8AF00}"/>
               </a:ext>
             </a:extLst>
           </p:cNvPr>
@@ -3945,38 +3966,30 @@
           <a:bodyPr/>
           <a:lstStyle/>
           <a:p>
+            <a:pPr marL="0" indent="0">
+              <a:buNone/>
+            </a:pPr>
+            <a:endParaRPr lang="ru-RU" dirty="0"/>
+          </a:p>
+          <a:p>
+            <a:pPr marL="0" indent="0">
+              <a:buNone/>
+            </a:pPr>
+            <a:endParaRPr lang="ru-RU" dirty="0"/>
+          </a:p>
+          <a:p>
+            <a:pPr marL="0" indent="0">
+              <a:buNone/>
+            </a:pPr>
+            <a:endParaRPr lang="ru-RU" dirty="0"/>
+          </a:p>
+          <a:p>
+            <a:pPr marL="0" indent="0">
+              <a:buNone/>
+            </a:pPr>
             <a:r>
               <a:rPr lang="en-US" dirty="0"/>
-              <a:t>Email: </a:t>
-            </a:r>
-            <a:r>
-              <a:rPr lang="en-US" dirty="0">
-                <a:hlinkClick r:id="rId2"/>
-              </a:rPr>
-              <a:t>bakanchev</a:t>
-            </a:r>
-            <a:r>
-              <a:rPr lang="ru-RU" dirty="0">
-                <a:hlinkClick r:id="rId2"/>
-              </a:rPr>
-              <a:t>.</a:t>
-            </a:r>
-            <a:r>
-              <a:rPr lang="en-US" dirty="0">
-                <a:hlinkClick r:id="rId2"/>
-              </a:rPr>
-              <a:t>mirea@gmail.com</a:t>
-            </a:r>
-            <a:endParaRPr lang="en-US" dirty="0"/>
-          </a:p>
-          <a:p>
-            <a:r>
-              <a:rPr lang="en-US" dirty="0" err="1"/>
-              <a:t>Vk</a:t>
-            </a:r>
-            <a:r>
-              <a:rPr lang="en-US" dirty="0"/>
-              <a:t>: vk.com/bakanchev</a:t>
+              <a:t>https://github.com/bakanchevn/DataBases_MIREA_2017-2018</a:t>
             </a:r>
           </a:p>
         </p:txBody>
@@ -3984,7 +3997,7 @@
     </p:spTree>
     <p:extLst>
       <p:ext uri="{BB962C8B-B14F-4D97-AF65-F5344CB8AC3E}">
-        <p14:creationId xmlns:p14="http://schemas.microsoft.com/office/powerpoint/2010/main" val="136932700"/>
+        <p14:creationId xmlns:p14="http://schemas.microsoft.com/office/powerpoint/2010/main" val="1404883454"/>
       </p:ext>
     </p:extLst>
   </p:cSld>
@@ -4016,7 +4029,7 @@
           <p:cNvPr id="2" name="Title 1">
             <a:extLst>
               <a:ext uri="{FF2B5EF4-FFF2-40B4-BE49-F238E27FC236}">
-                <a16:creationId xmlns:a16="http://schemas.microsoft.com/office/drawing/2014/main" id="{DB22A4AE-971B-4625-9068-A69819F7C586}"/>
+                <a16:creationId xmlns:a16="http://schemas.microsoft.com/office/drawing/2014/main" id="{3CC5BF62-E168-4443-A759-34ED0B2D7303}"/>
               </a:ext>
             </a:extLst>
           </p:cNvPr>
@@ -4034,7 +4047,7 @@
           <a:p>
             <a:r>
               <a:rPr lang="ru-RU" dirty="0"/>
-              <a:t>Веб-сайт курса</a:t>
+              <a:t>Лекции и литература	</a:t>
             </a:r>
             <a:endParaRPr lang="en-US" dirty="0"/>
           </a:p>
@@ -4045,7 +4058,7 @@
           <p:cNvPr id="3" name="Content Placeholder 2">
             <a:extLst>
               <a:ext uri="{FF2B5EF4-FFF2-40B4-BE49-F238E27FC236}">
-                <a16:creationId xmlns:a16="http://schemas.microsoft.com/office/drawing/2014/main" id="{8AEB63AD-8969-4902-B0DD-7C44D0C8AF00}"/>
+                <a16:creationId xmlns:a16="http://schemas.microsoft.com/office/drawing/2014/main" id="{A514E161-1096-4705-B2AC-5D14CDADD9BD}"/>
               </a:ext>
             </a:extLst>
           </p:cNvPr>
@@ -4061,30 +4074,29 @@
           <a:bodyPr/>
           <a:lstStyle/>
           <a:p>
-            <a:pPr marL="0" indent="0">
-              <a:buNone/>
-            </a:pPr>
-            <a:endParaRPr lang="ru-RU" dirty="0"/>
-          </a:p>
-          <a:p>
-            <a:pPr marL="0" indent="0">
-              <a:buNone/>
-            </a:pPr>
-            <a:endParaRPr lang="ru-RU" dirty="0"/>
-          </a:p>
-          <a:p>
-            <a:pPr marL="0" indent="0">
-              <a:buNone/>
-            </a:pPr>
-            <a:endParaRPr lang="ru-RU" dirty="0"/>
-          </a:p>
-          <a:p>
-            <a:pPr marL="0" indent="0">
-              <a:buNone/>
-            </a:pPr>
+            <a:r>
+              <a:rPr lang="ru-RU" dirty="0"/>
+              <a:t>Лекционные слайды покрывают большинство материала, который мы будем походить</a:t>
+            </a:r>
+          </a:p>
+          <a:p>
+            <a:r>
+              <a:rPr lang="ru-RU" dirty="0"/>
+              <a:t>Литература или полезные ссылки будут указаны в каждом разделе или в задании</a:t>
+            </a:r>
+          </a:p>
+          <a:p>
+            <a:r>
+              <a:rPr lang="ru-RU" dirty="0"/>
+              <a:t>Старайтесь повторять материал</a:t>
+            </a:r>
             <a:r>
               <a:rPr lang="en-US" dirty="0"/>
-              <a:t>https://github.com/bakanchevn/DataBases_MIREA_2017-2018</a:t>
+              <a:t>: </a:t>
+            </a:r>
+            <a:r>
+              <a:rPr lang="ru-RU" dirty="0"/>
+              <a:t>через лекции, домашнее задание, рабочие материалы в классе</a:t>
             </a:r>
           </a:p>
         </p:txBody>
@@ -4092,7 +4104,7 @@
     </p:spTree>
     <p:extLst>
       <p:ext uri="{BB962C8B-B14F-4D97-AF65-F5344CB8AC3E}">
-        <p14:creationId xmlns:p14="http://schemas.microsoft.com/office/powerpoint/2010/main" val="1404883454"/>
+        <p14:creationId xmlns:p14="http://schemas.microsoft.com/office/powerpoint/2010/main" val="3973637760"/>
       </p:ext>
     </p:extLst>
   </p:cSld>
@@ -4124,7 +4136,7 @@
           <p:cNvPr id="2" name="Title 1">
             <a:extLst>
               <a:ext uri="{FF2B5EF4-FFF2-40B4-BE49-F238E27FC236}">
-                <a16:creationId xmlns:a16="http://schemas.microsoft.com/office/drawing/2014/main" id="{3CC5BF62-E168-4443-A759-34ED0B2D7303}"/>
+                <a16:creationId xmlns:a16="http://schemas.microsoft.com/office/drawing/2014/main" id="{C73DDCDD-5E56-4F85-A25D-B5EF9A0EA2B1}"/>
               </a:ext>
             </a:extLst>
           </p:cNvPr>
@@ -4142,7 +4154,7 @@
           <a:p>
             <a:r>
               <a:rPr lang="ru-RU" dirty="0"/>
-              <a:t>Лекции и литература	</a:t>
+              <a:t>Посещаемость</a:t>
             </a:r>
             <a:endParaRPr lang="en-US" dirty="0"/>
           </a:p>
@@ -4153,7 +4165,7 @@
           <p:cNvPr id="3" name="Content Placeholder 2">
             <a:extLst>
               <a:ext uri="{FF2B5EF4-FFF2-40B4-BE49-F238E27FC236}">
-                <a16:creationId xmlns:a16="http://schemas.microsoft.com/office/drawing/2014/main" id="{A514E161-1096-4705-B2AC-5D14CDADD9BD}"/>
+                <a16:creationId xmlns:a16="http://schemas.microsoft.com/office/drawing/2014/main" id="{FCF80792-7953-4D12-80FF-CD6A46D5A15C}"/>
               </a:ext>
             </a:extLst>
           </p:cNvPr>
@@ -4171,19 +4183,28 @@
           <a:p>
             <a:r>
               <a:rPr lang="ru-RU" dirty="0"/>
-              <a:t>Лекционные слайды покрывают большинство материала, который мы будем походить</a:t>
-            </a:r>
-          </a:p>
-          <a:p>
-            <a:r>
-              <a:rPr lang="ru-RU" dirty="0"/>
-              <a:t>Литература или полезные ссылки будут указаны в каждом разделе или в задании</a:t>
-            </a:r>
-          </a:p>
-          <a:p>
-            <a:r>
-              <a:rPr lang="ru-RU" dirty="0"/>
-              <a:t>Старайтесь повторять материал</a:t>
+              <a:t>Посещение не менее, чем 4 недель влечет за собой отсутствие дополнительных вопросов на зачете</a:t>
+            </a:r>
+          </a:p>
+          <a:p>
+            <a:r>
+              <a:rPr lang="ru-RU" dirty="0"/>
+              <a:t>Немного статистики</a:t>
+            </a:r>
+          </a:p>
+          <a:p>
+            <a:pPr lvl="1"/>
+            <a:r>
+              <a:rPr lang="ru-RU" dirty="0"/>
+              <a:t>Из людей, посетивших менее </a:t>
+            </a:r>
+            <a:r>
+              <a:rPr lang="en-US" dirty="0"/>
+              <a:t>4</a:t>
+            </a:r>
+            <a:r>
+              <a:rPr lang="ru-RU" dirty="0"/>
+              <a:t> занятий</a:t>
             </a:r>
             <a:r>
               <a:rPr lang="en-US" dirty="0"/>
@@ -4191,15 +4212,34 @@
             </a:r>
             <a:r>
               <a:rPr lang="ru-RU" dirty="0"/>
-              <a:t>через лекции, домашнее задание, рабочие материалы в классе</a:t>
-            </a:r>
+              <a:t>1</a:t>
+            </a:r>
+            <a:r>
+              <a:rPr lang="en-US" dirty="0"/>
+              <a:t>5% - </a:t>
+            </a:r>
+            <a:r>
+              <a:rPr lang="ru-RU" dirty="0"/>
+              <a:t>получили 5 за экзамен, 5</a:t>
+            </a:r>
+            <a:r>
+              <a:rPr lang="en-US" dirty="0"/>
+              <a:t>% - 4, 30% - 3.</a:t>
+            </a:r>
+          </a:p>
+          <a:p>
+            <a:r>
+              <a:rPr lang="ru-RU" dirty="0"/>
+              <a:t>Ваше отсутствие на лекции предполагает, что вы знаете тему, которая была на семинаре, и вы готовы по ней ответить.</a:t>
+            </a:r>
+            <a:endParaRPr lang="en-US" dirty="0"/>
           </a:p>
         </p:txBody>
       </p:sp>
     </p:spTree>
     <p:extLst>
       <p:ext uri="{BB962C8B-B14F-4D97-AF65-F5344CB8AC3E}">
-        <p14:creationId xmlns:p14="http://schemas.microsoft.com/office/powerpoint/2010/main" val="3973637760"/>
+        <p14:creationId xmlns:p14="http://schemas.microsoft.com/office/powerpoint/2010/main" val="50766700"/>
       </p:ext>
     </p:extLst>
   </p:cSld>
@@ -4231,7 +4271,7 @@
           <p:cNvPr id="2" name="Title 1">
             <a:extLst>
               <a:ext uri="{FF2B5EF4-FFF2-40B4-BE49-F238E27FC236}">
-                <a16:creationId xmlns:a16="http://schemas.microsoft.com/office/drawing/2014/main" id="{C73DDCDD-5E56-4F85-A25D-B5EF9A0EA2B1}"/>
+                <a16:creationId xmlns:a16="http://schemas.microsoft.com/office/drawing/2014/main" id="{09C699C9-7AF7-439E-A8A5-E909D160EB83}"/>
               </a:ext>
             </a:extLst>
           </p:cNvPr>
@@ -4249,7 +4289,7 @@
           <a:p>
             <a:r>
               <a:rPr lang="ru-RU" dirty="0"/>
-              <a:t>Посещаемость</a:t>
+              <a:t>Оценивание </a:t>
             </a:r>
             <a:endParaRPr lang="en-US" dirty="0"/>
           </a:p>
@@ -4260,7 +4300,7 @@
           <p:cNvPr id="3" name="Content Placeholder 2">
             <a:extLst>
               <a:ext uri="{FF2B5EF4-FFF2-40B4-BE49-F238E27FC236}">
-                <a16:creationId xmlns:a16="http://schemas.microsoft.com/office/drawing/2014/main" id="{FCF80792-7953-4D12-80FF-CD6A46D5A15C}"/>
+                <a16:creationId xmlns:a16="http://schemas.microsoft.com/office/drawing/2014/main" id="{43503699-5244-4579-9B15-69DB97F832E1}"/>
               </a:ext>
             </a:extLst>
           </p:cNvPr>
@@ -4276,56 +4316,35 @@
           <a:bodyPr/>
           <a:lstStyle/>
           <a:p>
-            <a:r>
-              <a:rPr lang="ru-RU" dirty="0"/>
-              <a:t>Посещение не менее, чем 4 недель влечет за собой отсутствие дополнительных вопросов на зачете</a:t>
-            </a:r>
-          </a:p>
-          <a:p>
-            <a:r>
-              <a:rPr lang="ru-RU" dirty="0"/>
-              <a:t>Немного статистики</a:t>
-            </a:r>
-          </a:p>
-          <a:p>
-            <a:pPr lvl="1"/>
-            <a:r>
-              <a:rPr lang="ru-RU" dirty="0"/>
-              <a:t>Из людей, посетивших менее </a:t>
+            <a:pPr marL="0" indent="0">
+              <a:buNone/>
+            </a:pPr>
+            <a:r>
+              <a:rPr lang="ru-RU" dirty="0"/>
+              <a:t>Допуск к зачету – сданные лабораторные.</a:t>
+            </a:r>
+          </a:p>
+          <a:p>
+            <a:pPr marL="0" indent="0">
+              <a:buNone/>
+            </a:pPr>
+            <a:endParaRPr lang="ru-RU" dirty="0"/>
+          </a:p>
+          <a:p>
+            <a:pPr marL="0" indent="0">
+              <a:buNone/>
+            </a:pPr>
+            <a:r>
+              <a:rPr lang="ru-RU" dirty="0"/>
+              <a:t>Зачет автоматом – лабораторные + к</a:t>
             </a:r>
             <a:r>
               <a:rPr lang="en-US" dirty="0"/>
-              <a:t>4</a:t>
-            </a:r>
-            <a:r>
-              <a:rPr lang="ru-RU" dirty="0"/>
-              <a:t> занятий</a:t>
-            </a:r>
-            <a:r>
-              <a:rPr lang="en-US" dirty="0"/>
-              <a:t>: </a:t>
-            </a:r>
-            <a:r>
-              <a:rPr lang="ru-RU" dirty="0"/>
-              <a:t>1</a:t>
-            </a:r>
-            <a:r>
-              <a:rPr lang="en-US" dirty="0"/>
-              <a:t>5% - </a:t>
-            </a:r>
-            <a:r>
-              <a:rPr lang="ru-RU" dirty="0"/>
-              <a:t>получили 5 за экзамен, 5</a:t>
-            </a:r>
-            <a:r>
-              <a:rPr lang="en-US" dirty="0"/>
-              <a:t>% - 4, 30% - 3.</a:t>
-            </a:r>
-          </a:p>
-          <a:p>
-            <a:r>
-              <a:rPr lang="ru-RU" dirty="0"/>
-              <a:t>Ваше отсутствие на лекции предполагает, что вы знаете тему, которая была на семинаре, и вы готовы по ней ответить.</a:t>
+              <a:t>/</a:t>
+            </a:r>
+            <a:r>
+              <a:rPr lang="ru-RU" dirty="0"/>
+              <a:t>р на 4 + доп. задание</a:t>
             </a:r>
             <a:endParaRPr lang="en-US" dirty="0"/>
           </a:p>
@@ -4334,7 +4353,7 @@
     </p:spTree>
     <p:extLst>
       <p:ext uri="{BB962C8B-B14F-4D97-AF65-F5344CB8AC3E}">
-        <p14:creationId xmlns:p14="http://schemas.microsoft.com/office/powerpoint/2010/main" val="50766700"/>
+        <p14:creationId xmlns:p14="http://schemas.microsoft.com/office/powerpoint/2010/main" val="891003037"/>
       </p:ext>
     </p:extLst>
   </p:cSld>
@@ -4366,7 +4385,7 @@
           <p:cNvPr id="2" name="Title 1">
             <a:extLst>
               <a:ext uri="{FF2B5EF4-FFF2-40B4-BE49-F238E27FC236}">
-                <a16:creationId xmlns:a16="http://schemas.microsoft.com/office/drawing/2014/main" id="{09C699C9-7AF7-439E-A8A5-E909D160EB83}"/>
+                <a16:creationId xmlns:a16="http://schemas.microsoft.com/office/drawing/2014/main" id="{E452CFCA-3086-4E2F-B965-3FD20D797B28}"/>
               </a:ext>
             </a:extLst>
           </p:cNvPr>
@@ -4384,7 +4403,7 @@
           <a:p>
             <a:r>
               <a:rPr lang="ru-RU" dirty="0"/>
-              <a:t>Оценивание </a:t>
+              <a:t>Как просить о помощи</a:t>
             </a:r>
             <a:endParaRPr lang="en-US" dirty="0"/>
           </a:p>
@@ -4395,7 +4414,7 @@
           <p:cNvPr id="3" name="Content Placeholder 2">
             <a:extLst>
               <a:ext uri="{FF2B5EF4-FFF2-40B4-BE49-F238E27FC236}">
-                <a16:creationId xmlns:a16="http://schemas.microsoft.com/office/drawing/2014/main" id="{43503699-5244-4579-9B15-69DB97F832E1}"/>
+                <a16:creationId xmlns:a16="http://schemas.microsoft.com/office/drawing/2014/main" id="{DDE5DCC7-42F5-48E3-9226-C8B2FE4B9023}"/>
               </a:ext>
             </a:extLst>
           </p:cNvPr>
@@ -4411,44 +4430,83 @@
           <a:bodyPr/>
           <a:lstStyle/>
           <a:p>
-            <a:pPr marL="0" indent="0">
-              <a:buNone/>
+            <a:pPr marL="514350" indent="-514350">
+              <a:buFont typeface="+mj-lt"/>
+              <a:buAutoNum type="arabicPeriod"/>
             </a:pPr>
             <a:r>
               <a:rPr lang="ru-RU" dirty="0"/>
-              <a:t>Допуск к зачету – сданные лабораторные.</a:t>
-            </a:r>
-          </a:p>
-          <a:p>
-            <a:pPr marL="0" indent="0">
-              <a:buNone/>
+              <a:t>Осуществить поиск проблемы в интернете</a:t>
+            </a:r>
+          </a:p>
+          <a:p>
+            <a:pPr marL="514350" indent="-514350">
+              <a:buFont typeface="+mj-lt"/>
+              <a:buAutoNum type="arabicPeriod"/>
             </a:pPr>
+            <a:r>
+              <a:rPr lang="ru-RU" dirty="0"/>
+              <a:t>Спросить одногруппников</a:t>
+            </a:r>
+            <a:endParaRPr lang="en-US" dirty="0"/>
+          </a:p>
+          <a:p>
+            <a:pPr marL="514350" indent="-514350">
+              <a:buFont typeface="+mj-lt"/>
+              <a:buAutoNum type="arabicPeriod"/>
+            </a:pPr>
+            <a:r>
+              <a:rPr lang="ru-RU" dirty="0"/>
+              <a:t>Если не было, то написать мне</a:t>
+            </a:r>
+            <a:r>
+              <a:rPr lang="en-US" dirty="0"/>
+              <a:t>:</a:t>
+            </a:r>
+          </a:p>
+          <a:p>
+            <a:pPr lvl="1"/>
+            <a:r>
+              <a:rPr lang="ru-RU" dirty="0"/>
+              <a:t>Что вы пытались сделать?</a:t>
+            </a:r>
+          </a:p>
+          <a:p>
+            <a:pPr lvl="1"/>
+            <a:r>
+              <a:rPr lang="ru-RU" dirty="0"/>
+              <a:t>Какие шаги были сделаны успешно</a:t>
+            </a:r>
+            <a:r>
+              <a:rPr lang="en-US" dirty="0"/>
+              <a:t>?</a:t>
+            </a:r>
+          </a:p>
+          <a:p>
+            <a:pPr lvl="1"/>
+            <a:r>
+              <a:rPr lang="ru-RU" dirty="0"/>
+              <a:t>Что не работает по вашему мнению?</a:t>
+            </a:r>
+          </a:p>
+          <a:p>
+            <a:pPr lvl="1"/>
+            <a:r>
+              <a:rPr lang="ru-RU" dirty="0"/>
+              <a:t>Какая ошибка появляется</a:t>
+            </a:r>
+            <a:r>
+              <a:rPr lang="en-US" dirty="0"/>
+              <a:t>?</a:t>
+            </a:r>
             <a:endParaRPr lang="ru-RU" dirty="0"/>
-          </a:p>
-          <a:p>
-            <a:pPr marL="0" indent="0">
-              <a:buNone/>
-            </a:pPr>
-            <a:r>
-              <a:rPr lang="ru-RU" dirty="0"/>
-              <a:t>Зачет автоматом – лабораторные + к</a:t>
-            </a:r>
-            <a:r>
-              <a:rPr lang="en-US" dirty="0"/>
-              <a:t>/</a:t>
-            </a:r>
-            <a:r>
-              <a:rPr lang="ru-RU" dirty="0"/>
-              <a:t>р на 4 + доп. задание</a:t>
-            </a:r>
-            <a:endParaRPr lang="en-US" dirty="0"/>
           </a:p>
         </p:txBody>
       </p:sp>
     </p:spTree>
     <p:extLst>
       <p:ext uri="{BB962C8B-B14F-4D97-AF65-F5344CB8AC3E}">
-        <p14:creationId xmlns:p14="http://schemas.microsoft.com/office/powerpoint/2010/main" val="891003037"/>
+        <p14:creationId xmlns:p14="http://schemas.microsoft.com/office/powerpoint/2010/main" val="1706591778"/>
       </p:ext>
     </p:extLst>
   </p:cSld>
@@ -4477,18 +4535,18 @@
       </p:grpSpPr>
       <p:sp>
         <p:nvSpPr>
-          <p:cNvPr id="2" name="Title 1">
-            <a:extLst>
-              <a:ext uri="{FF2B5EF4-FFF2-40B4-BE49-F238E27FC236}">
-                <a16:creationId xmlns:a16="http://schemas.microsoft.com/office/drawing/2014/main" id="{E452CFCA-3086-4E2F-B965-3FD20D797B28}"/>
-              </a:ext>
-            </a:extLst>
-          </p:cNvPr>
-          <p:cNvSpPr>
-            <a:spLocks noGrp="1"/>
-          </p:cNvSpPr>
-          <p:nvPr>
-            <p:ph type="title"/>
+          <p:cNvPr id="4" name="Title 3">
+            <a:extLst>
+              <a:ext uri="{FF2B5EF4-FFF2-40B4-BE49-F238E27FC236}">
+                <a16:creationId xmlns:a16="http://schemas.microsoft.com/office/drawing/2014/main" id="{0BD9418D-5E05-4F67-B12B-9AF584FD712D}"/>
+              </a:ext>
+            </a:extLst>
+          </p:cNvPr>
+          <p:cNvSpPr>
+            <a:spLocks noGrp="1"/>
+          </p:cNvSpPr>
+          <p:nvPr>
+            <p:ph type="ctrTitle"/>
           </p:nvPr>
         </p:nvSpPr>
         <p:spPr/>
@@ -4498,110 +4556,16 @@
           <a:p>
             <a:r>
               <a:rPr lang="ru-RU" dirty="0"/>
-              <a:t>Как просить о помощи</a:t>
+              <a:t>Обзор курса</a:t>
             </a:r>
             <a:endParaRPr lang="en-US" dirty="0"/>
-          </a:p>
-        </p:txBody>
-      </p:sp>
-      <p:sp>
-        <p:nvSpPr>
-          <p:cNvPr id="3" name="Content Placeholder 2">
-            <a:extLst>
-              <a:ext uri="{FF2B5EF4-FFF2-40B4-BE49-F238E27FC236}">
-                <a16:creationId xmlns:a16="http://schemas.microsoft.com/office/drawing/2014/main" id="{DDE5DCC7-42F5-48E3-9226-C8B2FE4B9023}"/>
-              </a:ext>
-            </a:extLst>
-          </p:cNvPr>
-          <p:cNvSpPr>
-            <a:spLocks noGrp="1"/>
-          </p:cNvSpPr>
-          <p:nvPr>
-            <p:ph idx="1"/>
-          </p:nvPr>
-        </p:nvSpPr>
-        <p:spPr/>
-        <p:txBody>
-          <a:bodyPr/>
-          <a:lstStyle/>
-          <a:p>
-            <a:pPr marL="514350" indent="-514350">
-              <a:buFont typeface="+mj-lt"/>
-              <a:buAutoNum type="arabicPeriod"/>
-            </a:pPr>
-            <a:r>
-              <a:rPr lang="ru-RU" dirty="0"/>
-              <a:t>Осуществить поиск проблемы в интернете</a:t>
-            </a:r>
-          </a:p>
-          <a:p>
-            <a:pPr marL="514350" indent="-514350">
-              <a:buFont typeface="+mj-lt"/>
-              <a:buAutoNum type="arabicPeriod"/>
-            </a:pPr>
-            <a:r>
-              <a:rPr lang="ru-RU" dirty="0"/>
-              <a:t>Спросить одногруппников</a:t>
-            </a:r>
-            <a:endParaRPr lang="en-US" dirty="0"/>
-          </a:p>
-          <a:p>
-            <a:pPr marL="514350" indent="-514350">
-              <a:buFont typeface="+mj-lt"/>
-              <a:buAutoNum type="arabicPeriod"/>
-            </a:pPr>
-            <a:r>
-              <a:rPr lang="ru-RU" dirty="0"/>
-              <a:t>Если не было, то написать мне</a:t>
-            </a:r>
-            <a:r>
-              <a:rPr lang="en-US" dirty="0"/>
-              <a:t>:</a:t>
-            </a:r>
-          </a:p>
-          <a:p>
-            <a:pPr lvl="1"/>
-            <a:r>
-              <a:rPr lang="ru-RU" dirty="0"/>
-              <a:t>Что вы пытались сделать?</a:t>
-            </a:r>
-          </a:p>
-          <a:p>
-            <a:pPr lvl="1"/>
-            <a:r>
-              <a:rPr lang="ru-RU" dirty="0"/>
-              <a:t>Какие шаги были сделаны успешно</a:t>
-            </a:r>
-            <a:r>
-              <a:rPr lang="en-US" dirty="0"/>
-              <a:t>?</a:t>
-            </a:r>
-          </a:p>
-          <a:p>
-            <a:pPr lvl="1"/>
-            <a:r>
-              <a:rPr lang="ru-RU" dirty="0"/>
-              <a:t>Что не работает по вашему мнению?</a:t>
-            </a:r>
-          </a:p>
-          <a:p>
-            <a:pPr lvl="1"/>
-            <a:r>
-              <a:rPr lang="ru-RU" dirty="0"/>
-              <a:t>Какая ошибка появляется</a:t>
-            </a:r>
-            <a:r>
-              <a:rPr lang="en-US" dirty="0"/>
-              <a:t>?</a:t>
-            </a:r>
-            <a:endParaRPr lang="ru-RU" dirty="0"/>
           </a:p>
         </p:txBody>
       </p:sp>
     </p:spTree>
     <p:extLst>
       <p:ext uri="{BB962C8B-B14F-4D97-AF65-F5344CB8AC3E}">
-        <p14:creationId xmlns:p14="http://schemas.microsoft.com/office/powerpoint/2010/main" val="1706591778"/>
+        <p14:creationId xmlns:p14="http://schemas.microsoft.com/office/powerpoint/2010/main" val="3779655839"/>
       </p:ext>
     </p:extLst>
   </p:cSld>
@@ -4630,18 +4594,18 @@
       </p:grpSpPr>
       <p:sp>
         <p:nvSpPr>
-          <p:cNvPr id="4" name="Title 3">
-            <a:extLst>
-              <a:ext uri="{FF2B5EF4-FFF2-40B4-BE49-F238E27FC236}">
-                <a16:creationId xmlns:a16="http://schemas.microsoft.com/office/drawing/2014/main" id="{0BD9418D-5E05-4F67-B12B-9AF584FD712D}"/>
-              </a:ext>
-            </a:extLst>
-          </p:cNvPr>
-          <p:cNvSpPr>
-            <a:spLocks noGrp="1"/>
-          </p:cNvSpPr>
-          <p:nvPr>
-            <p:ph type="ctrTitle"/>
+          <p:cNvPr id="2" name="Title 1">
+            <a:extLst>
+              <a:ext uri="{FF2B5EF4-FFF2-40B4-BE49-F238E27FC236}">
+                <a16:creationId xmlns:a16="http://schemas.microsoft.com/office/drawing/2014/main" id="{64D9A002-2815-4644-968D-45D6D26E0415}"/>
+              </a:ext>
+            </a:extLst>
+          </p:cNvPr>
+          <p:cNvSpPr>
+            <a:spLocks noGrp="1"/>
+          </p:cNvSpPr>
+          <p:nvPr>
+            <p:ph type="title"/>
           </p:nvPr>
         </p:nvSpPr>
         <p:spPr/>
@@ -4651,8 +4615,170 @@
           <a:p>
             <a:r>
               <a:rPr lang="ru-RU" dirty="0"/>
-              <a:t>Обзор курса</a:t>
-            </a:r>
+              <a:t>Обзор курса. 	</a:t>
+            </a:r>
+            <a:endParaRPr lang="en-US" dirty="0"/>
+          </a:p>
+        </p:txBody>
+      </p:sp>
+      <p:sp>
+        <p:nvSpPr>
+          <p:cNvPr id="3" name="Content Placeholder 2">
+            <a:extLst>
+              <a:ext uri="{FF2B5EF4-FFF2-40B4-BE49-F238E27FC236}">
+                <a16:creationId xmlns:a16="http://schemas.microsoft.com/office/drawing/2014/main" id="{35FA33D5-F365-458E-AEF1-41D1EED15EE6}"/>
+              </a:ext>
+            </a:extLst>
+          </p:cNvPr>
+          <p:cNvSpPr>
+            <a:spLocks noGrp="1"/>
+          </p:cNvSpPr>
+          <p:nvPr>
+            <p:ph idx="1"/>
+          </p:nvPr>
+        </p:nvSpPr>
+        <p:spPr/>
+        <p:txBody>
+          <a:bodyPr>
+            <a:normAutofit lnSpcReduction="10000"/>
+          </a:bodyPr>
+          <a:lstStyle/>
+          <a:p>
+            <a:pPr marL="0" indent="0">
+              <a:buNone/>
+            </a:pPr>
+            <a:endParaRPr lang="en-US" dirty="0"/>
+          </a:p>
+          <a:p>
+            <a:pPr marL="514350" indent="-514350">
+              <a:buAutoNum type="arabicPeriod"/>
+            </a:pPr>
+            <a:r>
+              <a:rPr lang="ru-RU" dirty="0"/>
+              <a:t>Основы</a:t>
+            </a:r>
+            <a:r>
+              <a:rPr lang="en-US" dirty="0"/>
+              <a:t>: </a:t>
+            </a:r>
+            <a:r>
+              <a:rPr lang="ru-RU" dirty="0"/>
+              <a:t>Реляционная модель данных и </a:t>
+            </a:r>
+            <a:r>
+              <a:rPr lang="en-US" dirty="0"/>
+              <a:t>SQL</a:t>
+            </a:r>
+          </a:p>
+          <a:p>
+            <a:pPr lvl="1"/>
+            <a:r>
+              <a:rPr lang="ru-RU" dirty="0"/>
+              <a:t>Лекции 1-2</a:t>
+            </a:r>
+          </a:p>
+          <a:p>
+            <a:pPr lvl="1"/>
+            <a:r>
+              <a:rPr lang="ru-RU" dirty="0"/>
+              <a:t>Как управлять данными с помощью </a:t>
+            </a:r>
+            <a:r>
+              <a:rPr lang="en-US" dirty="0"/>
+              <a:t>SQL</a:t>
+            </a:r>
+          </a:p>
+          <a:p>
+            <a:pPr marL="514350" indent="-514350">
+              <a:buFont typeface="+mj-lt"/>
+              <a:buAutoNum type="arabicPeriod"/>
+            </a:pPr>
+            <a:r>
+              <a:rPr lang="ru-RU" dirty="0"/>
+              <a:t>Архитектера БД + сложный </a:t>
+            </a:r>
+            <a:r>
+              <a:rPr lang="en-US" dirty="0"/>
+              <a:t>SQL</a:t>
+            </a:r>
+            <a:endParaRPr lang="ru-RU" dirty="0"/>
+          </a:p>
+          <a:p>
+            <a:pPr lvl="1"/>
+            <a:r>
+              <a:rPr lang="ru-RU" dirty="0"/>
+              <a:t>Лекции </a:t>
+            </a:r>
+            <a:r>
+              <a:rPr lang="en-US" dirty="0"/>
+              <a:t>3</a:t>
+            </a:r>
+            <a:r>
+              <a:rPr lang="ru-RU" dirty="0"/>
+              <a:t>-</a:t>
+            </a:r>
+            <a:r>
+              <a:rPr lang="en-US" dirty="0"/>
+              <a:t>4</a:t>
+            </a:r>
+            <a:r>
+              <a:rPr lang="ru-RU" dirty="0"/>
+              <a:t>	</a:t>
+            </a:r>
+          </a:p>
+          <a:p>
+            <a:pPr marL="514350" indent="-514350">
+              <a:buFont typeface="+mj-lt"/>
+              <a:buAutoNum type="arabicPeriod"/>
+            </a:pPr>
+            <a:r>
+              <a:rPr lang="ru-RU" dirty="0"/>
+              <a:t>Транзакции</a:t>
+            </a:r>
+            <a:r>
+              <a:rPr lang="en-US" dirty="0"/>
+              <a:t>: </a:t>
+            </a:r>
+            <a:r>
+              <a:rPr lang="ru-RU" dirty="0"/>
+              <a:t>синтаксис и поддержание системы</a:t>
+            </a:r>
+          </a:p>
+          <a:p>
+            <a:pPr lvl="1"/>
+            <a:r>
+              <a:rPr lang="ru-RU" dirty="0"/>
+              <a:t>Лекция 5</a:t>
+            </a:r>
+          </a:p>
+          <a:p>
+            <a:pPr marL="514350" indent="-514350">
+              <a:buFont typeface="+mj-lt"/>
+              <a:buAutoNum type="arabicPeriod"/>
+            </a:pPr>
+            <a:r>
+              <a:rPr lang="ru-RU" dirty="0"/>
+              <a:t>Взаимодействие с ЯП</a:t>
+            </a:r>
+          </a:p>
+          <a:p>
+            <a:pPr lvl="1"/>
+            <a:r>
+              <a:rPr lang="ru-RU" dirty="0"/>
+              <a:t>Лекция 6-7</a:t>
+            </a:r>
+            <a:endParaRPr lang="en-US" dirty="0"/>
+          </a:p>
+          <a:p>
+            <a:pPr marL="514350" indent="-514350">
+              <a:buAutoNum type="arabicPeriod"/>
+            </a:pPr>
+            <a:endParaRPr lang="en-US" dirty="0"/>
+          </a:p>
+          <a:p>
+            <a:pPr marL="971550" lvl="1" indent="-514350">
+              <a:buAutoNum type="arabicPeriod"/>
+            </a:pPr>
             <a:endParaRPr lang="en-US" dirty="0"/>
           </a:p>
         </p:txBody>
@@ -4660,7 +4786,7 @@
     </p:spTree>
     <p:extLst>
       <p:ext uri="{BB962C8B-B14F-4D97-AF65-F5344CB8AC3E}">
-        <p14:creationId xmlns:p14="http://schemas.microsoft.com/office/powerpoint/2010/main" val="3779655839"/>
+        <p14:creationId xmlns:p14="http://schemas.microsoft.com/office/powerpoint/2010/main" val="2967328911"/>
       </p:ext>
     </p:extLst>
   </p:cSld>
@@ -4689,18 +4815,18 @@
       </p:grpSpPr>
       <p:sp>
         <p:nvSpPr>
-          <p:cNvPr id="2" name="Title 1">
-            <a:extLst>
-              <a:ext uri="{FF2B5EF4-FFF2-40B4-BE49-F238E27FC236}">
-                <a16:creationId xmlns:a16="http://schemas.microsoft.com/office/drawing/2014/main" id="{64D9A002-2815-4644-968D-45D6D26E0415}"/>
-              </a:ext>
-            </a:extLst>
-          </p:cNvPr>
-          <p:cNvSpPr>
-            <a:spLocks noGrp="1"/>
-          </p:cNvSpPr>
-          <p:nvPr>
-            <p:ph type="title"/>
+          <p:cNvPr id="4" name="Title 3">
+            <a:extLst>
+              <a:ext uri="{FF2B5EF4-FFF2-40B4-BE49-F238E27FC236}">
+                <a16:creationId xmlns:a16="http://schemas.microsoft.com/office/drawing/2014/main" id="{2B601CE9-DA04-4CB5-8801-8932331EAD79}"/>
+              </a:ext>
+            </a:extLst>
+          </p:cNvPr>
+          <p:cNvSpPr>
+            <a:spLocks noGrp="1"/>
+          </p:cNvSpPr>
+          <p:nvPr>
+            <p:ph type="ctrTitle"/>
           </p:nvPr>
         </p:nvSpPr>
         <p:spPr/>
@@ -4710,7 +4836,7 @@
           <a:p>
             <a:r>
               <a:rPr lang="ru-RU" dirty="0"/>
-              <a:t>Обзор курса. 	</a:t>
+              <a:t>Обзор технологий курса</a:t>
             </a:r>
             <a:endParaRPr lang="en-US" dirty="0"/>
           </a:p>
@@ -4718,170 +4844,33 @@
       </p:sp>
       <p:sp>
         <p:nvSpPr>
-          <p:cNvPr id="3" name="Content Placeholder 2">
-            <a:extLst>
-              <a:ext uri="{FF2B5EF4-FFF2-40B4-BE49-F238E27FC236}">
-                <a16:creationId xmlns:a16="http://schemas.microsoft.com/office/drawing/2014/main" id="{35FA33D5-F365-458E-AEF1-41D1EED15EE6}"/>
-              </a:ext>
-            </a:extLst>
-          </p:cNvPr>
-          <p:cNvSpPr>
-            <a:spLocks noGrp="1"/>
-          </p:cNvSpPr>
-          <p:nvPr>
-            <p:ph idx="1"/>
+          <p:cNvPr id="5" name="Subtitle 4">
+            <a:extLst>
+              <a:ext uri="{FF2B5EF4-FFF2-40B4-BE49-F238E27FC236}">
+                <a16:creationId xmlns:a16="http://schemas.microsoft.com/office/drawing/2014/main" id="{EAE3A3F0-34A9-4E65-B418-AEBBA3881A94}"/>
+              </a:ext>
+            </a:extLst>
+          </p:cNvPr>
+          <p:cNvSpPr>
+            <a:spLocks noGrp="1"/>
+          </p:cNvSpPr>
+          <p:nvPr>
+            <p:ph type="subTitle" idx="1"/>
           </p:nvPr>
         </p:nvSpPr>
         <p:spPr/>
         <p:txBody>
-          <a:bodyPr>
-            <a:normAutofit lnSpcReduction="10000"/>
-          </a:bodyPr>
-          <a:lstStyle/>
-          <a:p>
-            <a:pPr marL="0" indent="0">
-              <a:buNone/>
-            </a:pPr>
-            <a:endParaRPr lang="en-US" dirty="0"/>
-          </a:p>
-          <a:p>
-            <a:pPr marL="514350" indent="-514350">
-              <a:buAutoNum type="arabicPeriod"/>
-            </a:pPr>
-            <a:r>
-              <a:rPr lang="ru-RU" dirty="0"/>
-              <a:t>Основы</a:t>
-            </a:r>
-            <a:r>
-              <a:rPr lang="en-US" dirty="0"/>
-              <a:t>: </a:t>
-            </a:r>
-            <a:r>
-              <a:rPr lang="ru-RU" dirty="0"/>
-              <a:t>Реляционная модель данных и </a:t>
-            </a:r>
-            <a:r>
-              <a:rPr lang="en-US" dirty="0"/>
-              <a:t>SQL</a:t>
-            </a:r>
-          </a:p>
-          <a:p>
-            <a:pPr lvl="1"/>
-            <a:r>
-              <a:rPr lang="ru-RU" dirty="0"/>
-              <a:t>Лекции 1-2</a:t>
-            </a:r>
-          </a:p>
-          <a:p>
-            <a:pPr lvl="1"/>
-            <a:r>
-              <a:rPr lang="ru-RU" dirty="0"/>
-              <a:t>Как управлять данными с помощью </a:t>
-            </a:r>
-            <a:r>
-              <a:rPr lang="en-US" dirty="0"/>
-              <a:t>SQL</a:t>
-            </a:r>
-          </a:p>
-          <a:p>
-            <a:pPr marL="514350" indent="-514350">
-              <a:buFont typeface="+mj-lt"/>
-              <a:buAutoNum type="arabicPeriod"/>
-            </a:pPr>
-            <a:r>
-              <a:rPr lang="ru-RU" dirty="0"/>
-              <a:t>Архитектера БД + сложный </a:t>
-            </a:r>
-            <a:r>
-              <a:rPr lang="en-US" dirty="0"/>
-              <a:t>SQL</a:t>
-            </a:r>
-            <a:endParaRPr lang="ru-RU" dirty="0"/>
-          </a:p>
-          <a:p>
-            <a:pPr lvl="1"/>
-            <a:r>
-              <a:rPr lang="ru-RU" dirty="0"/>
-              <a:t>Лекции </a:t>
-            </a:r>
-            <a:r>
-              <a:rPr lang="en-US" dirty="0"/>
-              <a:t>3</a:t>
-            </a:r>
-            <a:r>
-              <a:rPr lang="ru-RU" dirty="0"/>
-              <a:t>-</a:t>
-            </a:r>
-            <a:r>
-              <a:rPr lang="en-US" dirty="0"/>
-              <a:t>4</a:t>
-            </a:r>
-            <a:r>
-              <a:rPr lang="ru-RU" dirty="0"/>
-              <a:t>	</a:t>
-            </a:r>
-          </a:p>
-          <a:p>
-            <a:pPr marL="514350" indent="-514350">
-              <a:buFont typeface="+mj-lt"/>
-              <a:buAutoNum type="arabicPeriod"/>
-            </a:pPr>
-            <a:r>
-              <a:rPr lang="ru-RU" dirty="0"/>
-              <a:t>Транзакции</a:t>
-            </a:r>
-            <a:r>
-              <a:rPr lang="en-US" dirty="0"/>
-              <a:t>: </a:t>
-            </a:r>
-            <a:r>
-              <a:rPr lang="ru-RU" dirty="0"/>
-              <a:t>синтаксис и поддержание системы</a:t>
-            </a:r>
-          </a:p>
-          <a:p>
-            <a:pPr lvl="1"/>
-            <a:r>
-              <a:rPr lang="ru-RU" dirty="0"/>
-              <a:t>Лекция 5</a:t>
-            </a:r>
-          </a:p>
-          <a:p>
-            <a:pPr marL="514350" indent="-514350">
-              <a:buFont typeface="+mj-lt"/>
-              <a:buAutoNum type="arabicPeriod"/>
-            </a:pPr>
-            <a:r>
-              <a:rPr lang="ru-RU" dirty="0"/>
-              <a:t>Взаимодействие с ЯП</a:t>
-            </a:r>
-          </a:p>
-          <a:p>
-            <a:pPr lvl="1"/>
-            <a:r>
-              <a:rPr lang="ru-RU"/>
-              <a:t>Лекция 6-7</a:t>
-            </a:r>
-            <a:endParaRPr lang="en-US" dirty="0"/>
-          </a:p>
-          <a:p>
-            <a:pPr marL="514350" indent="-514350">
-              <a:buAutoNum type="arabicPeriod"/>
-            </a:pPr>
-            <a:endParaRPr lang="en-US" dirty="0"/>
-          </a:p>
-          <a:p>
-            <a:pPr marL="971550" lvl="1" indent="-514350">
-              <a:buAutoNum type="arabicPeriod"/>
-            </a:pPr>
-            <a:endParaRPr lang="en-US" dirty="0"/>
+          <a:bodyPr/>
+          <a:lstStyle/>
+          <a:p>
+            <a:endParaRPr lang="en-US"/>
           </a:p>
         </p:txBody>
       </p:sp>
     </p:spTree>
     <p:extLst>
       <p:ext uri="{BB962C8B-B14F-4D97-AF65-F5344CB8AC3E}">
-        <p14:creationId xmlns:p14="http://schemas.microsoft.com/office/powerpoint/2010/main" val="2967328911"/>
+        <p14:creationId xmlns:p14="http://schemas.microsoft.com/office/powerpoint/2010/main" val="3934245395"/>
       </p:ext>
     </p:extLst>
   </p:cSld>
@@ -4910,18 +4899,18 @@
       </p:grpSpPr>
       <p:sp>
         <p:nvSpPr>
-          <p:cNvPr id="4" name="Title 3">
-            <a:extLst>
-              <a:ext uri="{FF2B5EF4-FFF2-40B4-BE49-F238E27FC236}">
-                <a16:creationId xmlns:a16="http://schemas.microsoft.com/office/drawing/2014/main" id="{2B601CE9-DA04-4CB5-8801-8932331EAD79}"/>
-              </a:ext>
-            </a:extLst>
-          </p:cNvPr>
-          <p:cNvSpPr>
-            <a:spLocks noGrp="1"/>
-          </p:cNvSpPr>
-          <p:nvPr>
-            <p:ph type="ctrTitle"/>
+          <p:cNvPr id="2" name="Title 1">
+            <a:extLst>
+              <a:ext uri="{FF2B5EF4-FFF2-40B4-BE49-F238E27FC236}">
+                <a16:creationId xmlns:a16="http://schemas.microsoft.com/office/drawing/2014/main" id="{B2E621CC-0263-40F2-B497-6674691A9BE3}"/>
+              </a:ext>
+            </a:extLst>
+          </p:cNvPr>
+          <p:cNvSpPr>
+            <a:spLocks noGrp="1"/>
+          </p:cNvSpPr>
+          <p:nvPr>
+            <p:ph type="title"/>
           </p:nvPr>
         </p:nvSpPr>
         <p:spPr/>
@@ -4939,18 +4928,18 @@
       </p:sp>
       <p:sp>
         <p:nvSpPr>
-          <p:cNvPr id="5" name="Subtitle 4">
-            <a:extLst>
-              <a:ext uri="{FF2B5EF4-FFF2-40B4-BE49-F238E27FC236}">
-                <a16:creationId xmlns:a16="http://schemas.microsoft.com/office/drawing/2014/main" id="{EAE3A3F0-34A9-4E65-B418-AEBBA3881A94}"/>
-              </a:ext>
-            </a:extLst>
-          </p:cNvPr>
-          <p:cNvSpPr>
-            <a:spLocks noGrp="1"/>
-          </p:cNvSpPr>
-          <p:nvPr>
-            <p:ph type="subTitle" idx="1"/>
+          <p:cNvPr id="3" name="Content Placeholder 2">
+            <a:extLst>
+              <a:ext uri="{FF2B5EF4-FFF2-40B4-BE49-F238E27FC236}">
+                <a16:creationId xmlns:a16="http://schemas.microsoft.com/office/drawing/2014/main" id="{85723F10-0C2D-4DF5-84B2-B91B44EA2CFB}"/>
+              </a:ext>
+            </a:extLst>
+          </p:cNvPr>
+          <p:cNvSpPr>
+            <a:spLocks noGrp="1"/>
+          </p:cNvSpPr>
+          <p:nvPr>
+            <p:ph idx="1"/>
           </p:nvPr>
         </p:nvSpPr>
         <p:spPr/>
@@ -4958,14 +4947,53 @@
           <a:bodyPr/>
           <a:lstStyle/>
           <a:p>
-            <a:endParaRPr lang="en-US"/>
+            <a:r>
+              <a:rPr lang="en-US" dirty="0"/>
+              <a:t>Python 3.5(3.6)</a:t>
+            </a:r>
+          </a:p>
+          <a:p>
+            <a:r>
+              <a:rPr lang="en-US" dirty="0" err="1"/>
+              <a:t>Sqlite</a:t>
+            </a:r>
+            <a:endParaRPr lang="en-US" dirty="0"/>
+          </a:p>
+          <a:p>
+            <a:r>
+              <a:rPr lang="en-US" dirty="0" err="1"/>
+              <a:t>Jupyter</a:t>
+            </a:r>
+            <a:r>
+              <a:rPr lang="en-US" dirty="0"/>
+              <a:t> Notebook</a:t>
+            </a:r>
+          </a:p>
+          <a:p>
+            <a:r>
+              <a:rPr lang="en-US" dirty="0" err="1"/>
+              <a:t>Postgresql</a:t>
+            </a:r>
+            <a:r>
+              <a:rPr lang="en-US" dirty="0"/>
+              <a:t>?</a:t>
+            </a:r>
+          </a:p>
+          <a:p>
+            <a:r>
+              <a:rPr lang="en-US" dirty="0"/>
+              <a:t>XML, JSON, csv</a:t>
+            </a:r>
+          </a:p>
+          <a:p>
+            <a:endParaRPr lang="en-US" dirty="0"/>
           </a:p>
         </p:txBody>
       </p:sp>
     </p:spTree>
     <p:extLst>
       <p:ext uri="{BB962C8B-B14F-4D97-AF65-F5344CB8AC3E}">
-        <p14:creationId xmlns:p14="http://schemas.microsoft.com/office/powerpoint/2010/main" val="3934245395"/>
+        <p14:creationId xmlns:p14="http://schemas.microsoft.com/office/powerpoint/2010/main" val="3267781587"/>
       </p:ext>
     </p:extLst>
   </p:cSld>
@@ -4997,7 +5025,7 @@
           <p:cNvPr id="2" name="Title 1">
             <a:extLst>
               <a:ext uri="{FF2B5EF4-FFF2-40B4-BE49-F238E27FC236}">
-                <a16:creationId xmlns:a16="http://schemas.microsoft.com/office/drawing/2014/main" id="{B2E621CC-0263-40F2-B497-6674691A9BE3}"/>
+                <a16:creationId xmlns:a16="http://schemas.microsoft.com/office/drawing/2014/main" id="{038B98F1-A8C7-413F-9F1D-A2552F684E65}"/>
               </a:ext>
             </a:extLst>
           </p:cNvPr>
@@ -5015,7 +5043,7 @@
           <a:p>
             <a:r>
               <a:rPr lang="ru-RU" dirty="0"/>
-              <a:t>Обзор технологий курса</a:t>
+              <a:t>База данных</a:t>
             </a:r>
             <a:endParaRPr lang="en-US" dirty="0"/>
           </a:p>
@@ -5026,7 +5054,7 @@
           <p:cNvPr id="3" name="Content Placeholder 2">
             <a:extLst>
               <a:ext uri="{FF2B5EF4-FFF2-40B4-BE49-F238E27FC236}">
-                <a16:creationId xmlns:a16="http://schemas.microsoft.com/office/drawing/2014/main" id="{85723F10-0C2D-4DF5-84B2-B91B44EA2CFB}"/>
+                <a16:creationId xmlns:a16="http://schemas.microsoft.com/office/drawing/2014/main" id="{2F52B15E-92AC-4FA5-B351-73C8ABA400D1}"/>
               </a:ext>
             </a:extLst>
           </p:cNvPr>
@@ -5042,45 +5070,44 @@
           <a:bodyPr/>
           <a:lstStyle/>
           <a:p>
+            <a:pPr marL="0" indent="0">
+              <a:buNone/>
+            </a:pPr>
+            <a:r>
+              <a:rPr lang="ru-RU" dirty="0"/>
+              <a:t>База данных – это набор пермаментной информации, существующий в течение </a:t>
+            </a:r>
             <a:r>
               <a:rPr lang="en-US" dirty="0"/>
-              <a:t>Python 3.5(3.6)</a:t>
-            </a:r>
-          </a:p>
-          <a:p>
-            <a:r>
-              <a:rPr lang="en-US" dirty="0" err="1"/>
-              <a:t>Sqlite</a:t>
-            </a:r>
-            <a:endParaRPr lang="en-US" dirty="0"/>
-          </a:p>
-          <a:p>
-            <a:r>
-              <a:rPr lang="en-US" dirty="0" err="1"/>
-              <a:t>Jupyter</a:t>
+              <a:t>“</a:t>
+            </a:r>
+            <a:r>
+              <a:rPr lang="ru-RU" dirty="0"/>
+              <a:t>долгого</a:t>
             </a:r>
             <a:r>
               <a:rPr lang="en-US" dirty="0"/>
-              <a:t> Notebook</a:t>
-            </a:r>
-          </a:p>
-          <a:p>
-            <a:r>
-              <a:rPr lang="en-US" dirty="0" err="1"/>
-              <a:t>Postgresql</a:t>
-            </a:r>
-            <a:r>
-              <a:rPr lang="en-US" dirty="0"/>
-              <a:t>?</a:t>
-            </a:r>
-          </a:p>
-          <a:p>
-            <a:r>
-              <a:rPr lang="en-US" dirty="0"/>
-              <a:t>XML, JSON, csv</a:t>
-            </a:r>
-          </a:p>
-          <a:p>
+              <a:t>” </a:t>
+            </a:r>
+            <a:r>
+              <a:rPr lang="ru-RU" dirty="0"/>
+              <a:t>времени.</a:t>
+            </a:r>
+          </a:p>
+          <a:p>
+            <a:pPr marL="0" indent="0">
+              <a:buNone/>
+            </a:pPr>
+            <a:endParaRPr lang="ru-RU" dirty="0"/>
+          </a:p>
+          <a:p>
+            <a:pPr marL="0" indent="0">
+              <a:buNone/>
+            </a:pPr>
+            <a:r>
+              <a:rPr lang="ru-RU" dirty="0"/>
+              <a:t>Часто говорят, что база данных – это набор данных, управляемый системой управления базами данных (далее СУБД)</a:t>
+            </a:r>
             <a:endParaRPr lang="en-US" dirty="0"/>
           </a:p>
         </p:txBody>
@@ -5088,7 +5115,7 @@
     </p:spTree>
     <p:extLst>
       <p:ext uri="{BB962C8B-B14F-4D97-AF65-F5344CB8AC3E}">
-        <p14:creationId xmlns:p14="http://schemas.microsoft.com/office/powerpoint/2010/main" val="3267781587"/>
+        <p14:creationId xmlns:p14="http://schemas.microsoft.com/office/powerpoint/2010/main" val="1907742074"/>
       </p:ext>
     </p:extLst>
   </p:cSld>
@@ -5186,7 +5213,7 @@
           <p:cNvPr id="2" name="Title 1">
             <a:extLst>
               <a:ext uri="{FF2B5EF4-FFF2-40B4-BE49-F238E27FC236}">
-                <a16:creationId xmlns:a16="http://schemas.microsoft.com/office/drawing/2014/main" id="{038B98F1-A8C7-413F-9F1D-A2552F684E65}"/>
+                <a16:creationId xmlns:a16="http://schemas.microsoft.com/office/drawing/2014/main" id="{90261D2C-226A-4C4E-AD61-A0BBBF604E6D}"/>
               </a:ext>
             </a:extLst>
           </p:cNvPr>
@@ -5204,7 +5231,7 @@
           <a:p>
             <a:r>
               <a:rPr lang="ru-RU" dirty="0"/>
-              <a:t>База данных</a:t>
+              <a:t>СУБД </a:t>
             </a:r>
             <a:endParaRPr lang="en-US" dirty="0"/>
           </a:p>
@@ -5215,7 +5242,7 @@
           <p:cNvPr id="3" name="Content Placeholder 2">
             <a:extLst>
               <a:ext uri="{FF2B5EF4-FFF2-40B4-BE49-F238E27FC236}">
-                <a16:creationId xmlns:a16="http://schemas.microsoft.com/office/drawing/2014/main" id="{2F52B15E-92AC-4FA5-B351-73C8ABA400D1}"/>
+                <a16:creationId xmlns:a16="http://schemas.microsoft.com/office/drawing/2014/main" id="{A7E9BA94-32D5-482F-9546-941194F8D35B}"/>
               </a:ext>
             </a:extLst>
           </p:cNvPr>
@@ -5231,12 +5258,39 @@
           <a:bodyPr/>
           <a:lstStyle/>
           <a:p>
-            <a:pPr marL="0" indent="0">
-              <a:buNone/>
+            <a:pPr marL="514350" indent="-514350">
+              <a:buFont typeface="+mj-lt"/>
+              <a:buAutoNum type="arabicPeriod"/>
             </a:pPr>
             <a:r>
               <a:rPr lang="ru-RU" dirty="0"/>
-              <a:t>База данных – это набор пермаментной информации, существующий в течение </a:t>
+              <a:t>Позволяет пользователям создавать новые экземпляры баз данных, а также указывать свои </a:t>
+            </a:r>
+            <a:r>
+              <a:rPr lang="ru-RU" i="1" dirty="0"/>
+              <a:t>схемы </a:t>
+            </a:r>
+            <a:r>
+              <a:rPr lang="en-US" i="1" dirty="0"/>
+              <a:t>(Schemas) – </a:t>
+            </a:r>
+            <a:r>
+              <a:rPr lang="ru-RU" dirty="0"/>
+              <a:t>логические структруры данных, используя специальный язык </a:t>
+            </a:r>
+            <a:r>
+              <a:rPr lang="en-US" dirty="0"/>
+              <a:t>DDL (data-definition language).</a:t>
+            </a:r>
+          </a:p>
+          <a:p>
+            <a:pPr marL="514350" indent="-514350">
+              <a:buFont typeface="+mj-lt"/>
+              <a:buAutoNum type="arabicPeriod"/>
+            </a:pPr>
+            <a:r>
+              <a:rPr lang="ru-RU" dirty="0"/>
+              <a:t>Возможность </a:t>
             </a:r>
             <a:r>
               <a:rPr lang="en-US" dirty="0"/>
@@ -5244,7 +5298,7 @@
             </a:r>
             <a:r>
               <a:rPr lang="ru-RU" dirty="0"/>
-              <a:t>долгого</a:t>
+              <a:t>запрашивать</a:t>
             </a:r>
             <a:r>
               <a:rPr lang="en-US" dirty="0"/>
@@ -5252,31 +5306,27 @@
             </a:r>
             <a:r>
               <a:rPr lang="ru-RU" dirty="0"/>
-              <a:t>времени.</a:t>
-            </a:r>
-          </a:p>
-          <a:p>
-            <a:pPr marL="0" indent="0">
-              <a:buNone/>
-            </a:pPr>
-            <a:endParaRPr lang="ru-RU" dirty="0"/>
-          </a:p>
-          <a:p>
-            <a:pPr marL="0" indent="0">
-              <a:buNone/>
-            </a:pPr>
-            <a:r>
-              <a:rPr lang="ru-RU" dirty="0"/>
-              <a:t>Часто говорят, что база данных – это набор данных, управляемый системой управления базами данных (далее СУБД)</a:t>
-            </a:r>
-            <a:endParaRPr lang="en-US" dirty="0"/>
+              <a:t>данные (</a:t>
+            </a:r>
+            <a:r>
+              <a:rPr lang="en-US" dirty="0"/>
+              <a:t>query) </a:t>
+            </a:r>
+            <a:r>
+              <a:rPr lang="ru-RU" dirty="0"/>
+              <a:t>и модифицировать их, используя специальный язык запросов или </a:t>
+            </a:r>
+            <a:r>
+              <a:rPr lang="en-US" dirty="0"/>
+              <a:t>DML (data-manipulation language)</a:t>
+            </a:r>
           </a:p>
         </p:txBody>
       </p:sp>
     </p:spTree>
     <p:extLst>
       <p:ext uri="{BB962C8B-B14F-4D97-AF65-F5344CB8AC3E}">
-        <p14:creationId xmlns:p14="http://schemas.microsoft.com/office/powerpoint/2010/main" val="1907742074"/>
+        <p14:creationId xmlns:p14="http://schemas.microsoft.com/office/powerpoint/2010/main" val="3928244443"/>
       </p:ext>
     </p:extLst>
   </p:cSld>
@@ -5355,151 +5405,6 @@
           <a:p>
             <a:pPr marL="514350" indent="-514350">
               <a:buFont typeface="+mj-lt"/>
-              <a:buAutoNum type="arabicPeriod"/>
-            </a:pPr>
-            <a:r>
-              <a:rPr lang="ru-RU" dirty="0"/>
-              <a:t>Позволяет пользователям создавать новые экземпляры баз данных, а также указывать свои </a:t>
-            </a:r>
-            <a:r>
-              <a:rPr lang="ru-RU" i="1" dirty="0"/>
-              <a:t>схемы </a:t>
-            </a:r>
-            <a:r>
-              <a:rPr lang="en-US" i="1" dirty="0"/>
-              <a:t>(Schemas) – </a:t>
-            </a:r>
-            <a:r>
-              <a:rPr lang="ru-RU" dirty="0"/>
-              <a:t>логические структруры данных, используя специальный язык </a:t>
-            </a:r>
-            <a:r>
-              <a:rPr lang="en-US" dirty="0"/>
-              <a:t>DDL (data-definition language).</a:t>
-            </a:r>
-          </a:p>
-          <a:p>
-            <a:pPr marL="514350" indent="-514350">
-              <a:buFont typeface="+mj-lt"/>
-              <a:buAutoNum type="arabicPeriod"/>
-            </a:pPr>
-            <a:r>
-              <a:rPr lang="ru-RU" dirty="0"/>
-              <a:t>Возможность </a:t>
-            </a:r>
-            <a:r>
-              <a:rPr lang="en-US" dirty="0"/>
-              <a:t>“</a:t>
-            </a:r>
-            <a:r>
-              <a:rPr lang="ru-RU" dirty="0"/>
-              <a:t>запрашивать</a:t>
-            </a:r>
-            <a:r>
-              <a:rPr lang="en-US" dirty="0"/>
-              <a:t>” </a:t>
-            </a:r>
-            <a:r>
-              <a:rPr lang="ru-RU" dirty="0"/>
-              <a:t>данные (</a:t>
-            </a:r>
-            <a:r>
-              <a:rPr lang="en-US" dirty="0"/>
-              <a:t>query) </a:t>
-            </a:r>
-            <a:r>
-              <a:rPr lang="ru-RU" dirty="0"/>
-              <a:t>и модифицировать их, используя специальный язык запросов или </a:t>
-            </a:r>
-            <a:r>
-              <a:rPr lang="en-US" dirty="0"/>
-              <a:t>DML (data-manipulation language)</a:t>
-            </a:r>
-          </a:p>
-        </p:txBody>
-      </p:sp>
-    </p:spTree>
-    <p:extLst>
-      <p:ext uri="{BB962C8B-B14F-4D97-AF65-F5344CB8AC3E}">
-        <p14:creationId xmlns:p14="http://schemas.microsoft.com/office/powerpoint/2010/main" val="3928244443"/>
-      </p:ext>
-    </p:extLst>
-  </p:cSld>
-  <p:clrMapOvr>
-    <a:masterClrMapping/>
-  </p:clrMapOvr>
-</p:sld>
-</file>
-
-<file path=ppt/slides/slide22.xml><?xml version="1.0" encoding="utf-8"?>
-<p:sld xmlns:a="http://schemas.openxmlformats.org/drawingml/2006/main" xmlns:r="http://schemas.openxmlformats.org/officeDocument/2006/relationships" xmlns:p="http://schemas.openxmlformats.org/presentationml/2006/main">
-  <p:cSld>
-    <p:spTree>
-      <p:nvGrpSpPr>
-        <p:cNvPr id="1" name=""/>
-        <p:cNvGrpSpPr/>
-        <p:nvPr/>
-      </p:nvGrpSpPr>
-      <p:grpSpPr>
-        <a:xfrm>
-          <a:off x="0" y="0"/>
-          <a:ext cx="0" cy="0"/>
-          <a:chOff x="0" y="0"/>
-          <a:chExt cx="0" cy="0"/>
-        </a:xfrm>
-      </p:grpSpPr>
-      <p:sp>
-        <p:nvSpPr>
-          <p:cNvPr id="2" name="Title 1">
-            <a:extLst>
-              <a:ext uri="{FF2B5EF4-FFF2-40B4-BE49-F238E27FC236}">
-                <a16:creationId xmlns:a16="http://schemas.microsoft.com/office/drawing/2014/main" id="{90261D2C-226A-4C4E-AD61-A0BBBF604E6D}"/>
-              </a:ext>
-            </a:extLst>
-          </p:cNvPr>
-          <p:cNvSpPr>
-            <a:spLocks noGrp="1"/>
-          </p:cNvSpPr>
-          <p:nvPr>
-            <p:ph type="title"/>
-          </p:nvPr>
-        </p:nvSpPr>
-        <p:spPr/>
-        <p:txBody>
-          <a:bodyPr/>
-          <a:lstStyle/>
-          <a:p>
-            <a:r>
-              <a:rPr lang="ru-RU" dirty="0"/>
-              <a:t>СУБД </a:t>
-            </a:r>
-            <a:endParaRPr lang="en-US" dirty="0"/>
-          </a:p>
-        </p:txBody>
-      </p:sp>
-      <p:sp>
-        <p:nvSpPr>
-          <p:cNvPr id="3" name="Content Placeholder 2">
-            <a:extLst>
-              <a:ext uri="{FF2B5EF4-FFF2-40B4-BE49-F238E27FC236}">
-                <a16:creationId xmlns:a16="http://schemas.microsoft.com/office/drawing/2014/main" id="{A7E9BA94-32D5-482F-9546-941194F8D35B}"/>
-              </a:ext>
-            </a:extLst>
-          </p:cNvPr>
-          <p:cNvSpPr>
-            <a:spLocks noGrp="1"/>
-          </p:cNvSpPr>
-          <p:nvPr>
-            <p:ph idx="1"/>
-          </p:nvPr>
-        </p:nvSpPr>
-        <p:spPr/>
-        <p:txBody>
-          <a:bodyPr/>
-          <a:lstStyle/>
-          <a:p>
-            <a:pPr marL="514350" indent="-514350">
-              <a:buFont typeface="+mj-lt"/>
               <a:buAutoNum type="arabicPeriod" startAt="3"/>
             </a:pPr>
             <a:r>
@@ -5591,7 +5496,7 @@
 </p:sld>
 </file>
 
-<file path=ppt/slides/slide23.xml><?xml version="1.0" encoding="utf-8"?>
+<file path=ppt/slides/slide22.xml><?xml version="1.0" encoding="utf-8"?>
 <p:sld xmlns:a="http://schemas.openxmlformats.org/drawingml/2006/main" xmlns:r="http://schemas.openxmlformats.org/officeDocument/2006/relationships" xmlns:p="http://schemas.openxmlformats.org/presentationml/2006/main">
   <p:cSld>
     <p:spTree>
@@ -5740,148 +5645,6 @@
       </p:grpSpPr>
       <p:sp>
         <p:nvSpPr>
-          <p:cNvPr id="5" name="Title 4">
-            <a:extLst>
-              <a:ext uri="{FF2B5EF4-FFF2-40B4-BE49-F238E27FC236}">
-                <a16:creationId xmlns:a16="http://schemas.microsoft.com/office/drawing/2014/main" id="{AADBF20D-584A-4109-8CD8-A0F4A6C5CA69}"/>
-              </a:ext>
-            </a:extLst>
-          </p:cNvPr>
-          <p:cNvSpPr>
-            <a:spLocks noGrp="1"/>
-          </p:cNvSpPr>
-          <p:nvPr>
-            <p:ph type="title"/>
-          </p:nvPr>
-        </p:nvSpPr>
-        <p:spPr>
-          <a:xfrm>
-            <a:off x="838200" y="365125"/>
-            <a:ext cx="10515600" cy="1325563"/>
-          </a:xfrm>
-        </p:spPr>
-        <p:txBody>
-          <a:bodyPr/>
-          <a:lstStyle/>
-          <a:p>
-            <a:r>
-              <a:rPr lang="ru-RU"/>
-              <a:t>Кто я такой</a:t>
-            </a:r>
-            <a:endParaRPr lang="en-US" dirty="0"/>
-          </a:p>
-        </p:txBody>
-      </p:sp>
-      <p:sp>
-        <p:nvSpPr>
-          <p:cNvPr id="6" name="Content Placeholder 5">
-            <a:extLst>
-              <a:ext uri="{FF2B5EF4-FFF2-40B4-BE49-F238E27FC236}">
-                <a16:creationId xmlns:a16="http://schemas.microsoft.com/office/drawing/2014/main" id="{76626804-E9E2-4E69-AF2A-072AC2CE57B5}"/>
-              </a:ext>
-            </a:extLst>
-          </p:cNvPr>
-          <p:cNvSpPr>
-            <a:spLocks noGrp="1"/>
-          </p:cNvSpPr>
-          <p:nvPr>
-            <p:ph idx="1"/>
-          </p:nvPr>
-        </p:nvSpPr>
-        <p:spPr>
-          <a:xfrm>
-            <a:off x="838200" y="1825625"/>
-            <a:ext cx="10515600" cy="4351338"/>
-          </a:xfrm>
-        </p:spPr>
-        <p:txBody>
-          <a:bodyPr/>
-          <a:lstStyle/>
-          <a:p>
-            <a:r>
-              <a:rPr lang="ru-RU"/>
-              <a:t>Образование</a:t>
-            </a:r>
-            <a:r>
-              <a:rPr lang="en-US"/>
-              <a:t>:</a:t>
-            </a:r>
-          </a:p>
-          <a:p>
-            <a:pPr lvl="1"/>
-            <a:r>
-              <a:rPr lang="ru-RU"/>
-              <a:t>Мирэа 2015 (бакалавр) – Прикладная математика и информатика</a:t>
-            </a:r>
-          </a:p>
-          <a:p>
-            <a:pPr lvl="1"/>
-            <a:r>
-              <a:rPr lang="ru-RU"/>
-              <a:t>МТУ </a:t>
-            </a:r>
-            <a:r>
-              <a:rPr lang="ru-RU" dirty="0"/>
-              <a:t>2017 (магистр) – Прикладная математика и информатика</a:t>
-            </a:r>
-          </a:p>
-          <a:p>
-            <a:r>
-              <a:rPr lang="ru-RU"/>
-              <a:t>Опыт работы</a:t>
-            </a:r>
-            <a:r>
-              <a:rPr lang="en-US"/>
-              <a:t>: </a:t>
-            </a:r>
-            <a:r>
-              <a:rPr lang="ru-RU"/>
-              <a:t>около 4 лет в области </a:t>
-            </a:r>
-            <a:r>
-              <a:rPr lang="en-US"/>
-              <a:t>business intelligence </a:t>
-            </a:r>
-            <a:r>
-              <a:rPr lang="ru-RU"/>
-              <a:t>в роли разработчика</a:t>
-            </a:r>
-            <a:endParaRPr lang="en-US" dirty="0"/>
-          </a:p>
-        </p:txBody>
-      </p:sp>
-    </p:spTree>
-    <p:extLst>
-      <p:ext uri="{BB962C8B-B14F-4D97-AF65-F5344CB8AC3E}">
-        <p14:creationId xmlns:p14="http://schemas.microsoft.com/office/powerpoint/2010/main" val="1949923614"/>
-      </p:ext>
-    </p:extLst>
-  </p:cSld>
-  <p:clrMapOvr>
-    <a:masterClrMapping/>
-  </p:clrMapOvr>
-</p:sld>
-</file>
-
-<file path=ppt/slides/slide4.xml><?xml version="1.0" encoding="utf-8"?>
-<p:sld xmlns:a="http://schemas.openxmlformats.org/drawingml/2006/main" xmlns:r="http://schemas.openxmlformats.org/officeDocument/2006/relationships" xmlns:p="http://schemas.openxmlformats.org/presentationml/2006/main">
-  <p:cSld>
-    <p:spTree>
-      <p:nvGrpSpPr>
-        <p:cNvPr id="1" name=""/>
-        <p:cNvGrpSpPr/>
-        <p:nvPr/>
-      </p:nvGrpSpPr>
-      <p:grpSpPr>
-        <a:xfrm>
-          <a:off x="0" y="0"/>
-          <a:ext cx="0" cy="0"/>
-          <a:chOff x="0" y="0"/>
-          <a:chExt cx="0" cy="0"/>
-        </a:xfrm>
-      </p:grpSpPr>
-      <p:sp>
-        <p:nvSpPr>
           <p:cNvPr id="4" name="Title 3">
             <a:extLst>
               <a:ext uri="{FF2B5EF4-FFF2-40B4-BE49-F238E27FC236}">
@@ -6001,7 +5764,7 @@
 </p:sld>
 </file>
 
-<file path=ppt/slides/slide5.xml><?xml version="1.0" encoding="utf-8"?>
+<file path=ppt/slides/slide4.xml><?xml version="1.0" encoding="utf-8"?>
 <p:sld xmlns:a="http://schemas.openxmlformats.org/drawingml/2006/main" xmlns:r="http://schemas.openxmlformats.org/officeDocument/2006/relationships" xmlns:p="http://schemas.openxmlformats.org/presentationml/2006/main">
   <p:cSld>
     <p:spTree>
@@ -6099,7 +5862,7 @@
 </p:sld>
 </file>
 
-<file path=ppt/slides/slide6.xml><?xml version="1.0" encoding="utf-8"?>
+<file path=ppt/slides/slide5.xml><?xml version="1.0" encoding="utf-8"?>
 <p:sld xmlns:a="http://schemas.openxmlformats.org/drawingml/2006/main" xmlns:r="http://schemas.openxmlformats.org/officeDocument/2006/relationships" xmlns:p="http://schemas.openxmlformats.org/presentationml/2006/main">
   <p:cSld>
     <p:spTree>
@@ -6210,6 +5973,119 @@
 </p:sld>
 </file>
 
+<file path=ppt/slides/slide6.xml><?xml version="1.0" encoding="utf-8"?>
+<p:sld xmlns:a="http://schemas.openxmlformats.org/drawingml/2006/main" xmlns:r="http://schemas.openxmlformats.org/officeDocument/2006/relationships" xmlns:p="http://schemas.openxmlformats.org/presentationml/2006/main">
+  <p:cSld>
+    <p:spTree>
+      <p:nvGrpSpPr>
+        <p:cNvPr id="1" name=""/>
+        <p:cNvGrpSpPr/>
+        <p:nvPr/>
+      </p:nvGrpSpPr>
+      <p:grpSpPr>
+        <a:xfrm>
+          <a:off x="0" y="0"/>
+          <a:ext cx="0" cy="0"/>
+          <a:chOff x="0" y="0"/>
+          <a:chExt cx="0" cy="0"/>
+        </a:xfrm>
+      </p:grpSpPr>
+      <p:sp>
+        <p:nvSpPr>
+          <p:cNvPr id="2" name="Title 1">
+            <a:extLst>
+              <a:ext uri="{FF2B5EF4-FFF2-40B4-BE49-F238E27FC236}">
+                <a16:creationId xmlns:a16="http://schemas.microsoft.com/office/drawing/2014/main" id="{42E3E798-5683-4323-9D83-0025F947E282}"/>
+              </a:ext>
+            </a:extLst>
+          </p:cNvPr>
+          <p:cNvSpPr>
+            <a:spLocks noGrp="1"/>
+          </p:cNvSpPr>
+          <p:nvPr>
+            <p:ph type="title"/>
+          </p:nvPr>
+        </p:nvSpPr>
+        <p:spPr>
+          <a:xfrm>
+            <a:off x="838200" y="365125"/>
+            <a:ext cx="10515600" cy="1325563"/>
+          </a:xfrm>
+        </p:spPr>
+        <p:txBody>
+          <a:bodyPr/>
+          <a:lstStyle/>
+          <a:p>
+            <a:r>
+              <a:rPr lang="ru-RU"/>
+              <a:t>Почему стоит изучить базы данных </a:t>
+            </a:r>
+            <a:endParaRPr lang="en-US" dirty="0"/>
+          </a:p>
+        </p:txBody>
+      </p:sp>
+      <p:sp>
+        <p:nvSpPr>
+          <p:cNvPr id="3" name="Content Placeholder 2">
+            <a:extLst>
+              <a:ext uri="{FF2B5EF4-FFF2-40B4-BE49-F238E27FC236}">
+                <a16:creationId xmlns:a16="http://schemas.microsoft.com/office/drawing/2014/main" id="{91718276-3DAE-4DB3-84F2-4D539572DC4F}"/>
+              </a:ext>
+            </a:extLst>
+          </p:cNvPr>
+          <p:cNvSpPr>
+            <a:spLocks noGrp="1"/>
+          </p:cNvSpPr>
+          <p:nvPr>
+            <p:ph idx="1"/>
+          </p:nvPr>
+        </p:nvSpPr>
+        <p:spPr>
+          <a:xfrm>
+            <a:off x="838200" y="1825625"/>
+            <a:ext cx="10515600" cy="4351338"/>
+          </a:xfrm>
+        </p:spPr>
+        <p:txBody>
+          <a:bodyPr/>
+          <a:lstStyle/>
+          <a:p>
+            <a:r>
+              <a:rPr lang="ru-RU"/>
+              <a:t>Сейчас количество данных резко увеличивается, поэтому важно разбираться в структуре обработки данных, а также наборе инфраструктуры.</a:t>
+            </a:r>
+          </a:p>
+          <a:p>
+            <a:r>
+              <a:rPr lang="ru-RU"/>
+              <a:t>Тема баз данных содержит очень много фундаментальных идей из </a:t>
+            </a:r>
+            <a:r>
+              <a:rPr lang="en-US"/>
+              <a:t>Computer Science</a:t>
+            </a:r>
+          </a:p>
+          <a:p>
+            <a:pPr marL="457200" lvl="1" indent="0">
+              <a:buNone/>
+            </a:pPr>
+            <a:endParaRPr lang="en-US" dirty="0"/>
+          </a:p>
+        </p:txBody>
+      </p:sp>
+    </p:spTree>
+    <p:extLst>
+      <p:ext uri="{BB962C8B-B14F-4D97-AF65-F5344CB8AC3E}">
+        <p14:creationId xmlns:p14="http://schemas.microsoft.com/office/powerpoint/2010/main" val="3893604723"/>
+      </p:ext>
+    </p:extLst>
+  </p:cSld>
+  <p:clrMapOvr>
+    <a:masterClrMapping/>
+  </p:clrMapOvr>
+</p:sld>
+</file>
+
 <file path=ppt/slides/slide7.xml><?xml version="1.0" encoding="utf-8"?>
 <p:sld xmlns:a="http://schemas.openxmlformats.org/drawingml/2006/main" xmlns:r="http://schemas.openxmlformats.org/officeDocument/2006/relationships" xmlns:p="http://schemas.openxmlformats.org/presentationml/2006/main">
   <p:cSld>
@@ -6232,7 +6108,7 @@
           <p:cNvPr id="2" name="Title 1">
             <a:extLst>
               <a:ext uri="{FF2B5EF4-FFF2-40B4-BE49-F238E27FC236}">
-                <a16:creationId xmlns:a16="http://schemas.microsoft.com/office/drawing/2014/main" id="{42E3E798-5683-4323-9D83-0025F947E282}"/>
+                <a16:creationId xmlns:a16="http://schemas.microsoft.com/office/drawing/2014/main" id="{92F46F77-00A3-4641-AAC7-F587E5366540}"/>
               </a:ext>
             </a:extLst>
           </p:cNvPr>
@@ -6255,7 +6131,7 @@
           <a:p>
             <a:r>
               <a:rPr lang="ru-RU"/>
-              <a:t>Почему стоит изучить базы данных </a:t>
+              <a:t>О чем этот курс (и чего не будет) </a:t>
             </a:r>
             <a:endParaRPr lang="en-US" dirty="0"/>
           </a:p>
@@ -6266,7 +6142,7 @@
           <p:cNvPr id="3" name="Content Placeholder 2">
             <a:extLst>
               <a:ext uri="{FF2B5EF4-FFF2-40B4-BE49-F238E27FC236}">
-                <a16:creationId xmlns:a16="http://schemas.microsoft.com/office/drawing/2014/main" id="{91718276-3DAE-4DB3-84F2-4D539572DC4F}"/>
+                <a16:creationId xmlns:a16="http://schemas.microsoft.com/office/drawing/2014/main" id="{1A689E9B-3B0B-45D8-9EB5-6F5A44F6A4F3}"/>
               </a:ext>
             </a:extLst>
           </p:cNvPr>
@@ -6289,31 +6165,89 @@
           <a:p>
             <a:r>
               <a:rPr lang="ru-RU"/>
-              <a:t>Сейчас количество данных резко увеличивается, поэтому важно разбираться в структуре обработки данных, а также наборе инфраструктуры.</a:t>
-            </a:r>
-          </a:p>
-          <a:p>
+              <a:t>Рассмотрим основы управления данными </a:t>
+            </a:r>
+            <a:r>
+              <a:rPr lang="en-US"/>
+              <a:t>(data management)</a:t>
+            </a:r>
+          </a:p>
+          <a:p>
+            <a:pPr lvl="1"/>
             <a:r>
               <a:rPr lang="ru-RU"/>
-              <a:t>Тема баз данных содержит очень много фундаментальных идей из </a:t>
+              <a:t>Как </a:t>
+            </a:r>
+            <a:r>
+              <a:rPr lang="ru-RU" dirty="0"/>
+              <a:t>разрабатывать базы данных, осуществлять запросы к ним, строить приложения над ними</a:t>
+            </a:r>
+          </a:p>
+          <a:p>
+            <a:pPr lvl="1"/>
+            <a:r>
+              <a:rPr lang="ru-RU"/>
+              <a:t>Как </a:t>
             </a:r>
             <a:r>
               <a:rPr lang="en-US"/>
-              <a:t>Computer Science</a:t>
-            </a:r>
-          </a:p>
-          <a:p>
-            <a:pPr marL="457200" lvl="1" indent="0">
-              <a:buNone/>
-            </a:pPr>
-            <a:endParaRPr lang="en-US" dirty="0"/>
+              <a:t>“</a:t>
+            </a:r>
+            <a:r>
+              <a:rPr lang="ru-RU"/>
+              <a:t>дебажить</a:t>
+            </a:r>
+            <a:r>
+              <a:rPr lang="en-US"/>
+              <a:t>”</a:t>
+            </a:r>
+            <a:r>
+              <a:rPr lang="ru-RU" dirty="0"/>
+              <a:t>, если что-то пойдет не так</a:t>
+            </a:r>
+          </a:p>
+          <a:p>
+            <a:pPr lvl="1"/>
+            <a:r>
+              <a:rPr lang="ru-RU" b="1" u="sng" dirty="0"/>
+              <a:t>Не </a:t>
+            </a:r>
+            <a:r>
+              <a:rPr lang="ru-RU" dirty="0"/>
+              <a:t>о том, как стать </a:t>
+            </a:r>
+            <a:r>
+              <a:rPr lang="en-US" dirty="0"/>
+              <a:t>DBA </a:t>
+            </a:r>
+            <a:r>
+              <a:rPr lang="ru-RU" dirty="0"/>
+              <a:t>или как правильно работать с определенной базой данных</a:t>
+            </a:r>
+          </a:p>
+          <a:p>
+            <a:r>
+              <a:rPr lang="ru-RU"/>
+              <a:t>Рассмотрим как работают системы управления базами данных</a:t>
+            </a:r>
+          </a:p>
+          <a:p>
+            <a:r>
+              <a:rPr lang="ru-RU" b="1" u="sng"/>
+              <a:t>Не</a:t>
+            </a:r>
+            <a:r>
+              <a:rPr lang="ru-RU"/>
+              <a:t> рассматриваем, как строить СУБД</a:t>
+            </a:r>
+            <a:endParaRPr lang="en-US" b="1" u="sng" dirty="0"/>
           </a:p>
         </p:txBody>
       </p:sp>
     </p:spTree>
     <p:extLst>
       <p:ext uri="{BB962C8B-B14F-4D97-AF65-F5344CB8AC3E}">
-        <p14:creationId xmlns:p14="http://schemas.microsoft.com/office/powerpoint/2010/main" val="3893604723"/>
+        <p14:creationId xmlns:p14="http://schemas.microsoft.com/office/powerpoint/2010/main" val="2150623334"/>
       </p:ext>
     </p:extLst>
   </p:cSld>
@@ -6345,7 +6279,7 @@
           <p:cNvPr id="2" name="Title 1">
             <a:extLst>
               <a:ext uri="{FF2B5EF4-FFF2-40B4-BE49-F238E27FC236}">
-                <a16:creationId xmlns:a16="http://schemas.microsoft.com/office/drawing/2014/main" id="{92F46F77-00A3-4641-AAC7-F587E5366540}"/>
+                <a16:creationId xmlns:a16="http://schemas.microsoft.com/office/drawing/2014/main" id="{480DCA78-C2F2-46F2-8586-A6228BDE5D84}"/>
               </a:ext>
             </a:extLst>
           </p:cNvPr>
@@ -6356,19 +6290,14 @@
             <p:ph type="title"/>
           </p:nvPr>
         </p:nvSpPr>
-        <p:spPr>
-          <a:xfrm>
-            <a:off x="838200" y="365125"/>
-            <a:ext cx="10515600" cy="1325563"/>
-          </a:xfrm>
-        </p:spPr>
-        <p:txBody>
-          <a:bodyPr/>
-          <a:lstStyle/>
-          <a:p>
-            <a:r>
-              <a:rPr lang="ru-RU"/>
-              <a:t>О чем этот курс (и чего не будет) </a:t>
+        <p:spPr/>
+        <p:txBody>
+          <a:bodyPr/>
+          <a:lstStyle/>
+          <a:p>
+            <a:r>
+              <a:rPr lang="ru-RU" dirty="0"/>
+              <a:t>Принцип работы</a:t>
             </a:r>
             <a:endParaRPr lang="en-US" dirty="0"/>
           </a:p>
@@ -6379,7 +6308,7 @@
           <p:cNvPr id="3" name="Content Placeholder 2">
             <a:extLst>
               <a:ext uri="{FF2B5EF4-FFF2-40B4-BE49-F238E27FC236}">
-                <a16:creationId xmlns:a16="http://schemas.microsoft.com/office/drawing/2014/main" id="{1A689E9B-3B0B-45D8-9EB5-6F5A44F6A4F3}"/>
+                <a16:creationId xmlns:a16="http://schemas.microsoft.com/office/drawing/2014/main" id="{E07DA0D8-02B3-4FD9-8253-8277F6F0A832}"/>
               </a:ext>
             </a:extLst>
           </p:cNvPr>
@@ -6390,101 +6319,76 @@
             <p:ph idx="1"/>
           </p:nvPr>
         </p:nvSpPr>
-        <p:spPr>
-          <a:xfrm>
-            <a:off x="838200" y="1825625"/>
-            <a:ext cx="10515600" cy="4351338"/>
-          </a:xfrm>
-        </p:spPr>
-        <p:txBody>
-          <a:bodyPr/>
-          <a:lstStyle/>
-          <a:p>
-            <a:r>
-              <a:rPr lang="ru-RU"/>
-              <a:t>Рассмотрим основы управления данными </a:t>
-            </a:r>
-            <a:r>
-              <a:rPr lang="en-US"/>
-              <a:t>(data management)</a:t>
-            </a:r>
+        <p:spPr/>
+        <p:txBody>
+          <a:bodyPr/>
+          <a:lstStyle/>
+          <a:p>
+            <a:r>
+              <a:rPr lang="ru-RU" dirty="0"/>
+              <a:t>Лекции + код выкладываются на </a:t>
+            </a:r>
+            <a:r>
+              <a:rPr lang="en-US" dirty="0" err="1"/>
+              <a:t>github</a:t>
+            </a:r>
+            <a:r>
+              <a:rPr lang="en-US" dirty="0"/>
+              <a:t>:</a:t>
+            </a:r>
+            <a:endParaRPr lang="ru-RU" dirty="0"/>
+          </a:p>
+          <a:p>
+            <a:pPr marL="0" indent="0">
+              <a:buNone/>
+            </a:pPr>
+            <a:r>
+              <a:rPr lang="en-US" dirty="0">
+                <a:hlinkClick r:id="rId2"/>
+              </a:rPr>
+              <a:t>https://github.com/bakanchevn/DataBases_MIREA_2017-2018</a:t>
+            </a:r>
+            <a:endParaRPr lang="en-US" dirty="0"/>
+          </a:p>
+          <a:p>
+            <a:r>
+              <a:rPr lang="ru-RU" dirty="0"/>
+              <a:t>Группа  в ВК для уведомлений</a:t>
+            </a:r>
+            <a:r>
+              <a:rPr lang="en-US" dirty="0"/>
+              <a:t>:</a:t>
+            </a:r>
+          </a:p>
+          <a:p>
+            <a:pPr marL="0" indent="0">
+              <a:buNone/>
+            </a:pPr>
+            <a:r>
+              <a:rPr lang="en-US" dirty="0">
+                <a:hlinkClick r:id="rId3"/>
+              </a:rPr>
+              <a:t>https://vk.com/kmbdb2017</a:t>
+            </a:r>
+            <a:endParaRPr lang="en-US" dirty="0"/>
+          </a:p>
+          <a:p>
+            <a:r>
+              <a:rPr lang="ru-RU" dirty="0"/>
+              <a:t>После лекций я остаюсь на столько, сколько требуется, чтобы ответить на ваши вопросы</a:t>
+            </a:r>
+            <a:endParaRPr lang="en-US" dirty="0"/>
           </a:p>
           <a:p>
             <a:pPr lvl="1"/>
-            <a:r>
-              <a:rPr lang="ru-RU"/>
-              <a:t>Как </a:t>
-            </a:r>
-            <a:r>
-              <a:rPr lang="ru-RU" dirty="0"/>
-              <a:t>разрабатывать базы данных, осуществлять запросы к ним, строить приложения над ними</a:t>
-            </a:r>
-          </a:p>
-          <a:p>
-            <a:pPr lvl="1"/>
-            <a:r>
-              <a:rPr lang="ru-RU"/>
-              <a:t>Как </a:t>
-            </a:r>
-            <a:r>
-              <a:rPr lang="en-US"/>
-              <a:t>“</a:t>
-            </a:r>
-            <a:r>
-              <a:rPr lang="ru-RU"/>
-              <a:t>дебажить</a:t>
-            </a:r>
-            <a:r>
-              <a:rPr lang="en-US"/>
-              <a:t>”</a:t>
-            </a:r>
-            <a:r>
-              <a:rPr lang="ru-RU" dirty="0"/>
-              <a:t>, если что-то пойдет не так</a:t>
-            </a:r>
-          </a:p>
-          <a:p>
-            <a:pPr lvl="1"/>
-            <a:r>
-              <a:rPr lang="ru-RU" b="1" u="sng" dirty="0"/>
-              <a:t>Не </a:t>
-            </a:r>
-            <a:r>
-              <a:rPr lang="ru-RU" dirty="0"/>
-              <a:t>о том, как стать </a:t>
-            </a:r>
-            <a:r>
-              <a:rPr lang="en-US" dirty="0"/>
-              <a:t>DBA </a:t>
-            </a:r>
-            <a:r>
-              <a:rPr lang="ru-RU" dirty="0"/>
-              <a:t>или как правильно работать с определенной базой данных</a:t>
-            </a:r>
-          </a:p>
-          <a:p>
-            <a:r>
-              <a:rPr lang="ru-RU"/>
-              <a:t>Рассмотрим как работают системы управления базами данных</a:t>
-            </a:r>
-          </a:p>
-          <a:p>
-            <a:r>
-              <a:rPr lang="ru-RU" b="1" u="sng"/>
-              <a:t>Не</a:t>
-            </a:r>
-            <a:r>
-              <a:rPr lang="ru-RU"/>
-              <a:t> рассматриваем, как строить СУБД</a:t>
-            </a:r>
-            <a:endParaRPr lang="en-US" b="1" u="sng" dirty="0"/>
+            <a:endParaRPr lang="en-US" dirty="0"/>
           </a:p>
         </p:txBody>
       </p:sp>
     </p:spTree>
     <p:extLst>
       <p:ext uri="{BB962C8B-B14F-4D97-AF65-F5344CB8AC3E}">
-        <p14:creationId xmlns:p14="http://schemas.microsoft.com/office/powerpoint/2010/main" val="2150623334"/>
+        <p14:creationId xmlns:p14="http://schemas.microsoft.com/office/powerpoint/2010/main" val="2924152985"/>
       </p:ext>
     </p:extLst>
   </p:cSld>
@@ -6516,7 +6420,7 @@
           <p:cNvPr id="2" name="Title 1">
             <a:extLst>
               <a:ext uri="{FF2B5EF4-FFF2-40B4-BE49-F238E27FC236}">
-                <a16:creationId xmlns:a16="http://schemas.microsoft.com/office/drawing/2014/main" id="{480DCA78-C2F2-46F2-8586-A6228BDE5D84}"/>
+                <a16:creationId xmlns:a16="http://schemas.microsoft.com/office/drawing/2014/main" id="{D4FB917B-095E-466E-8317-362E881EF3F3}"/>
               </a:ext>
             </a:extLst>
           </p:cNvPr>
@@ -6534,7 +6438,7 @@
           <a:p>
             <a:r>
               <a:rPr lang="ru-RU" dirty="0"/>
-              <a:t>Принцип работы</a:t>
+              <a:t>Контакты</a:t>
             </a:r>
             <a:endParaRPr lang="en-US" dirty="0"/>
           </a:p>
@@ -6545,7 +6449,7 @@
           <p:cNvPr id="3" name="Content Placeholder 2">
             <a:extLst>
               <a:ext uri="{FF2B5EF4-FFF2-40B4-BE49-F238E27FC236}">
-                <a16:creationId xmlns:a16="http://schemas.microsoft.com/office/drawing/2014/main" id="{E07DA0D8-02B3-4FD9-8253-8277F6F0A832}"/>
+                <a16:creationId xmlns:a16="http://schemas.microsoft.com/office/drawing/2014/main" id="{7C8AE135-9EF2-419B-AE3F-12EE1C836C39}"/>
               </a:ext>
             </a:extLst>
           </p:cNvPr>
@@ -6562,96 +6466,45 @@
           <a:lstStyle/>
           <a:p>
             <a:r>
-              <a:rPr lang="ru-RU" dirty="0"/>
-              <a:t>Лекции + код выкладываются на </a:t>
-            </a:r>
-            <a:r>
-              <a:rPr lang="en-US" dirty="0" err="1"/>
-              <a:t>github</a:t>
-            </a:r>
-            <a:r>
               <a:rPr lang="en-US" dirty="0"/>
-              <a:t>:</a:t>
-            </a:r>
-            <a:endParaRPr lang="ru-RU" dirty="0"/>
-          </a:p>
-          <a:p>
-            <a:pPr marL="0" indent="0">
-              <a:buNone/>
-            </a:pPr>
+              <a:t>Email: </a:t>
+            </a:r>
             <a:r>
               <a:rPr lang="en-US" dirty="0">
                 <a:hlinkClick r:id="rId2"/>
               </a:rPr>
-              <a:t>https://github.com/bakanchevn/DataBases_MIREA_2017-2018</a:t>
+              <a:t>bakanchev</a:t>
+            </a:r>
+            <a:r>
+              <a:rPr lang="ru-RU" dirty="0">
+                <a:hlinkClick r:id="rId2"/>
+              </a:rPr>
+              <a:t>.</a:t>
+            </a:r>
+            <a:r>
+              <a:rPr lang="en-US" dirty="0">
+                <a:hlinkClick r:id="rId2"/>
+              </a:rPr>
+              <a:t>mirea@gmail.com</a:t>
             </a:r>
             <a:endParaRPr lang="en-US" dirty="0"/>
           </a:p>
           <a:p>
             <a:r>
+              <a:rPr lang="en-US" dirty="0" err="1"/>
+              <a:t>Vk</a:t>
+            </a:r>
+            <a:r>
               <a:rPr lang="en-US" dirty="0"/>
-              <a:t>Q/A </a:t>
-            </a:r>
-            <a:r>
-              <a:rPr lang="ru-RU" dirty="0"/>
-              <a:t>коммуникация</a:t>
-            </a:r>
-            <a:r>
-              <a:rPr lang="en-US" dirty="0"/>
-              <a:t>:</a:t>
-            </a:r>
-          </a:p>
-          <a:p>
-            <a:pPr marL="0" indent="0">
-              <a:buNone/>
-            </a:pPr>
-            <a:r>
-              <a:rPr lang="en-US" dirty="0">
-                <a:hlinkClick r:id="rId3"/>
-              </a:rPr>
-              <a:t>http://piazza.com/moscow_technological_university/fall2017/db</a:t>
-            </a:r>
-            <a:endParaRPr lang="en-US" dirty="0"/>
-          </a:p>
-          <a:p>
-            <a:r>
-              <a:rPr lang="ru-RU" dirty="0"/>
-              <a:t>Группа  в ВК для уведомлений</a:t>
-            </a:r>
-            <a:r>
-              <a:rPr lang="en-US" dirty="0"/>
-              <a:t>:</a:t>
-            </a:r>
-          </a:p>
-          <a:p>
-            <a:pPr marL="0" indent="0">
-              <a:buNone/>
-            </a:pPr>
-            <a:r>
-              <a:rPr lang="en-US" dirty="0">
-                <a:hlinkClick r:id="rId4"/>
-              </a:rPr>
-              <a:t>https://vk.com/kmbdb2017</a:t>
-            </a:r>
-            <a:endParaRPr lang="en-US" dirty="0"/>
-          </a:p>
-          <a:p>
-            <a:r>
-              <a:rPr lang="ru-RU" dirty="0"/>
-              <a:t>После лекций я остаюсь на столько, сколько требуется, чтобы ответить на ваши вопросы</a:t>
-            </a:r>
-            <a:endParaRPr lang="en-US" dirty="0"/>
-          </a:p>
-          <a:p>
-            <a:pPr lvl="1"/>
-            <a:endParaRPr lang="en-US" dirty="0"/>
+              <a:t>: vk.com/bakanchev</a:t>
+            </a:r>
           </a:p>
         </p:txBody>
       </p:sp>
     </p:spTree>
     <p:extLst>
       <p:ext uri="{BB962C8B-B14F-4D97-AF65-F5344CB8AC3E}">
-        <p14:creationId xmlns:p14="http://schemas.microsoft.com/office/powerpoint/2010/main" val="2924152985"/>
+        <p14:creationId xmlns:p14="http://schemas.microsoft.com/office/powerpoint/2010/main" val="136932700"/>
       </p:ext>
     </p:extLst>
   </p:cSld>
